--- a/PRESENTATIE racegame project.pptx
+++ b/PRESENTATIE racegame project.pptx
@@ -4870,6 +4870,70 @@
           </a:p>
         </p:txBody>
       </p:sp>
+      <p:pic>
+        <p:nvPicPr>
+          <p:cNvPr id="1026" name="Picture 2"/>
+          <p:cNvPicPr>
+            <a:picLocks noChangeAspect="1" noChangeArrowheads="1"/>
+          </p:cNvPicPr>
+          <p:nvPr/>
+        </p:nvPicPr>
+        <p:blipFill>
+          <a:blip r:embed="rId2">
+            <a:extLst>
+              <a:ext uri="{28A0092B-C50C-407E-A947-70E740481C1C}">
+                <a14:useLocalDpi xmlns:a14="http://schemas.microsoft.com/office/drawing/2010/main" val="0"/>
+              </a:ext>
+            </a:extLst>
+          </a:blip>
+          <a:srcRect/>
+          <a:stretch>
+            <a:fillRect/>
+          </a:stretch>
+        </p:blipFill>
+        <p:spPr bwMode="auto">
+          <a:xfrm rot="19269341">
+            <a:off x="1767872" y="1328425"/>
+            <a:ext cx="1910069" cy="1146042"/>
+          </a:xfrm>
+          <a:prstGeom prst="rect">
+            <a:avLst/>
+          </a:prstGeom>
+          <a:noFill/>
+          <a:ln>
+            <a:noFill/>
+          </a:ln>
+          <a:effectLst/>
+          <a:extLst>
+            <a:ext uri="{909E8E84-426E-40DD-AFC4-6F175D3DCCD1}">
+              <a14:hiddenFill xmlns:a14="http://schemas.microsoft.com/office/drawing/2010/main">
+                <a:solidFill>
+                  <a:schemeClr val="accent1"/>
+                </a:solidFill>
+              </a14:hiddenFill>
+            </a:ext>
+            <a:ext uri="{91240B29-F687-4F45-9708-019B960494DF}">
+              <a14:hiddenLine xmlns:a14="http://schemas.microsoft.com/office/drawing/2010/main" w="9525">
+                <a:solidFill>
+                  <a:schemeClr val="tx1"/>
+                </a:solidFill>
+                <a:miter lim="800000"/>
+                <a:headEnd/>
+                <a:tailEnd/>
+              </a14:hiddenLine>
+            </a:ext>
+            <a:ext uri="{AF507438-7753-43E0-B8FC-AC1667EBCBE1}">
+              <a14:hiddenEffects xmlns:a14="http://schemas.microsoft.com/office/drawing/2010/main">
+                <a:effectLst>
+                  <a:outerShdw dist="35921" dir="2700000" algn="ctr" rotWithShape="0">
+                    <a:schemeClr val="bg2"/>
+                  </a:outerShdw>
+                </a:effectLst>
+              </a14:hiddenEffects>
+            </a:ext>
+          </a:extLst>
+        </p:spPr>
+      </p:pic>
     </p:spTree>
     <p:extLst>
       <p:ext uri="{BB962C8B-B14F-4D97-AF65-F5344CB8AC3E}">
@@ -4926,7 +4990,19 @@
               <a:rPr lang="nl-NL" dirty="0" smtClean="0">
                 <a:latin typeface="Prime" pitchFamily="50" charset="0"/>
               </a:rPr>
-              <a:t>Gestart met...  (Erik of remy)</a:t>
+              <a:t>Gestart met...  </a:t>
+            </a:r>
+            <a:r>
+              <a:rPr lang="nl-NL" dirty="0" smtClean="0">
+                <a:latin typeface="Prime" pitchFamily="50" charset="0"/>
+              </a:rPr>
+              <a:t>(remy</a:t>
+            </a:r>
+            <a:r>
+              <a:rPr lang="nl-NL" dirty="0" smtClean="0">
+                <a:latin typeface="Prime" pitchFamily="50" charset="0"/>
+              </a:rPr>
+              <a:t>)</a:t>
             </a:r>
             <a:endParaRPr lang="nl-NL" dirty="0">
               <a:latin typeface="Prime" pitchFamily="50" charset="0"/>
@@ -5405,7 +5481,19 @@
               <a:rPr lang="nl-NL" sz="2400" dirty="0" smtClean="0">
                 <a:latin typeface="Prime" pitchFamily="50" charset="0"/>
               </a:rPr>
-              <a:t>Wat we hebben kunnen realiseren ten opzichte van de class diagram</a:t>
+              <a:t>Wat we hebben kunnen realiseren ten opzichte </a:t>
+            </a:r>
+            <a:r>
+              <a:rPr lang="nl-NL" sz="2400" dirty="0" smtClean="0">
+                <a:latin typeface="Prime" pitchFamily="50" charset="0"/>
+              </a:rPr>
+              <a:t>van de </a:t>
+            </a:r>
+            <a:r>
+              <a:rPr lang="nl-NL" sz="2400" dirty="0" smtClean="0">
+                <a:latin typeface="Prime" pitchFamily="50" charset="0"/>
+              </a:rPr>
+              <a:t>class diagram</a:t>
             </a:r>
           </a:p>
           <a:p>

--- a/PRESENTATIE racegame project.pptx
+++ b/PRESENTATIE racegame project.pptx
@@ -4990,19 +4990,7 @@
               <a:rPr lang="nl-NL" dirty="0" smtClean="0">
                 <a:latin typeface="Prime" pitchFamily="50" charset="0"/>
               </a:rPr>
-              <a:t>Gestart met...  </a:t>
-            </a:r>
-            <a:r>
-              <a:rPr lang="nl-NL" dirty="0" smtClean="0">
-                <a:latin typeface="Prime" pitchFamily="50" charset="0"/>
-              </a:rPr>
-              <a:t>(remy</a:t>
-            </a:r>
-            <a:r>
-              <a:rPr lang="nl-NL" dirty="0" smtClean="0">
-                <a:latin typeface="Prime" pitchFamily="50" charset="0"/>
-              </a:rPr>
-              <a:t>)</a:t>
+              <a:t>Gestart met...  (remy)</a:t>
             </a:r>
             <a:endParaRPr lang="nl-NL" dirty="0">
               <a:latin typeface="Prime" pitchFamily="50" charset="0"/>
@@ -5481,32 +5469,32 @@
               <a:rPr lang="nl-NL" sz="2400" dirty="0" smtClean="0">
                 <a:latin typeface="Prime" pitchFamily="50" charset="0"/>
               </a:rPr>
-              <a:t>Wat we hebben kunnen realiseren ten opzichte </a:t>
-            </a:r>
+              <a:t>Wat we hebben kunnen realiseren ten opzichte van de class diagram</a:t>
+            </a:r>
+          </a:p>
+          <a:p>
+            <a:endParaRPr lang="nl-NL" sz="2400" dirty="0" smtClean="0">
+              <a:latin typeface="Prime" pitchFamily="50" charset="0"/>
+            </a:endParaRPr>
+          </a:p>
+          <a:p>
             <a:r>
               <a:rPr lang="nl-NL" sz="2400" dirty="0" smtClean="0">
                 <a:latin typeface="Prime" pitchFamily="50" charset="0"/>
               </a:rPr>
-              <a:t>van de </a:t>
+              <a:t>Wat hebben we niet </a:t>
             </a:r>
             <a:r>
               <a:rPr lang="nl-NL" sz="2400" dirty="0" smtClean="0">
                 <a:latin typeface="Prime" pitchFamily="50" charset="0"/>
               </a:rPr>
-              <a:t>class diagram</a:t>
-            </a:r>
-          </a:p>
-          <a:p>
-            <a:endParaRPr lang="nl-NL" sz="2400" dirty="0" smtClean="0">
-              <a:latin typeface="Prime" pitchFamily="50" charset="0"/>
-            </a:endParaRPr>
-          </a:p>
-          <a:p>
+              <a:t>konden </a:t>
+            </a:r>
             <a:r>
               <a:rPr lang="nl-NL" sz="2400" dirty="0" smtClean="0">
                 <a:latin typeface="Prime" pitchFamily="50" charset="0"/>
               </a:rPr>
-              <a:t>Wat hebben we niet kunnen realiseren...</a:t>
+              <a:t>realiseren...</a:t>
             </a:r>
             <a:endParaRPr lang="nl-NL" sz="2400" dirty="0">
               <a:latin typeface="Prime" pitchFamily="50" charset="0"/>
@@ -5599,7 +5587,13 @@
               <a:rPr lang="nl-NL" sz="2000" dirty="0" smtClean="0">
                 <a:latin typeface="Prime" pitchFamily="50" charset="0"/>
               </a:rPr>
-              <a:t>Wat vonden wij van dit project</a:t>
+              <a:t>Wat </a:t>
+            </a:r>
+            <a:r>
+              <a:rPr lang="nl-NL" sz="2000" dirty="0" smtClean="0">
+                <a:latin typeface="Prime" pitchFamily="50" charset="0"/>
+              </a:rPr>
+              <a:t>vonden wij van dit project</a:t>
             </a:r>
           </a:p>
           <a:p>

--- a/PRESENTATIE racegame project.pptx
+++ b/PRESENTATIE racegame project.pptx
@@ -1,27 +1,122 @@
 
 <file path=ppt/presentation.xml><?xml version="1.0" encoding="utf-8"?>
-<p:presentation xmlns:a="http://schemas.openxmlformats.org/drawingml/2006/main" xmlns:p="http://schemas.openxmlformats.org/presentationml/2006/main" xmlns:r="http://schemas.openxmlformats.org/officeDocument/2006/relationships">
+<p:presentation xmlns:a="http://schemas.openxmlformats.org/drawingml/2006/main" xmlns:r="http://schemas.openxmlformats.org/officeDocument/2006/relationships" xmlns:p="http://schemas.openxmlformats.org/presentationml/2006/main">
   <p:sldMasterIdLst>
-    <p:sldMasterId id="2147483648" r:id="rId2"/>
-    <p:sldMasterId id="2147483661" r:id="rId3"/>
+    <p:sldMasterId id="2147483648" r:id="rId1"/>
+    <p:sldMasterId id="2147483661" r:id="rId2"/>
   </p:sldMasterIdLst>
   <p:sldIdLst>
-    <p:sldId id="256" r:id="rId4"/>
-    <p:sldId id="257" r:id="rId5"/>
-    <p:sldId id="258" r:id="rId6"/>
-    <p:sldId id="259" r:id="rId7"/>
-    <p:sldId id="260" r:id="rId8"/>
-    <p:sldId id="261" r:id="rId9"/>
-    <p:sldId id="262" r:id="rId10"/>
-    <p:sldId id="263" r:id="rId11"/>
+    <p:sldId id="256" r:id="rId3"/>
+    <p:sldId id="257" r:id="rId4"/>
+    <p:sldId id="258" r:id="rId5"/>
+    <p:sldId id="259" r:id="rId6"/>
+    <p:sldId id="260" r:id="rId7"/>
+    <p:sldId id="261" r:id="rId8"/>
+    <p:sldId id="262" r:id="rId9"/>
+    <p:sldId id="263" r:id="rId10"/>
   </p:sldIdLst>
-  <p:sldSz cx="9144000" cy="6858000"/>
-  <p:notesSz cx="7559675" cy="10691812"/>
+  <p:sldSz cx="9144000" cy="6858000" type="screen4x3"/>
+  <p:notesSz cx="7559675" cy="10691813"/>
+  <p:defaultTextStyle>
+    <a:defPPr>
+      <a:defRPr lang="nl-NL"/>
+    </a:defPPr>
+    <a:lvl1pPr marL="0" algn="l" defTabSz="914400" rtl="0" eaLnBrk="1" latinLnBrk="0" hangingPunct="1">
+      <a:defRPr sz="1800" kern="1200">
+        <a:solidFill>
+          <a:schemeClr val="tx1"/>
+        </a:solidFill>
+        <a:latin typeface="+mn-lt"/>
+        <a:ea typeface="+mn-ea"/>
+        <a:cs typeface="+mn-cs"/>
+      </a:defRPr>
+    </a:lvl1pPr>
+    <a:lvl2pPr marL="457200" algn="l" defTabSz="914400" rtl="0" eaLnBrk="1" latinLnBrk="0" hangingPunct="1">
+      <a:defRPr sz="1800" kern="1200">
+        <a:solidFill>
+          <a:schemeClr val="tx1"/>
+        </a:solidFill>
+        <a:latin typeface="+mn-lt"/>
+        <a:ea typeface="+mn-ea"/>
+        <a:cs typeface="+mn-cs"/>
+      </a:defRPr>
+    </a:lvl2pPr>
+    <a:lvl3pPr marL="914400" algn="l" defTabSz="914400" rtl="0" eaLnBrk="1" latinLnBrk="0" hangingPunct="1">
+      <a:defRPr sz="1800" kern="1200">
+        <a:solidFill>
+          <a:schemeClr val="tx1"/>
+        </a:solidFill>
+        <a:latin typeface="+mn-lt"/>
+        <a:ea typeface="+mn-ea"/>
+        <a:cs typeface="+mn-cs"/>
+      </a:defRPr>
+    </a:lvl3pPr>
+    <a:lvl4pPr marL="1371600" algn="l" defTabSz="914400" rtl="0" eaLnBrk="1" latinLnBrk="0" hangingPunct="1">
+      <a:defRPr sz="1800" kern="1200">
+        <a:solidFill>
+          <a:schemeClr val="tx1"/>
+        </a:solidFill>
+        <a:latin typeface="+mn-lt"/>
+        <a:ea typeface="+mn-ea"/>
+        <a:cs typeface="+mn-cs"/>
+      </a:defRPr>
+    </a:lvl4pPr>
+    <a:lvl5pPr marL="1828800" algn="l" defTabSz="914400" rtl="0" eaLnBrk="1" latinLnBrk="0" hangingPunct="1">
+      <a:defRPr sz="1800" kern="1200">
+        <a:solidFill>
+          <a:schemeClr val="tx1"/>
+        </a:solidFill>
+        <a:latin typeface="+mn-lt"/>
+        <a:ea typeface="+mn-ea"/>
+        <a:cs typeface="+mn-cs"/>
+      </a:defRPr>
+    </a:lvl5pPr>
+    <a:lvl6pPr marL="2286000" algn="l" defTabSz="914400" rtl="0" eaLnBrk="1" latinLnBrk="0" hangingPunct="1">
+      <a:defRPr sz="1800" kern="1200">
+        <a:solidFill>
+          <a:schemeClr val="tx1"/>
+        </a:solidFill>
+        <a:latin typeface="+mn-lt"/>
+        <a:ea typeface="+mn-ea"/>
+        <a:cs typeface="+mn-cs"/>
+      </a:defRPr>
+    </a:lvl6pPr>
+    <a:lvl7pPr marL="2743200" algn="l" defTabSz="914400" rtl="0" eaLnBrk="1" latinLnBrk="0" hangingPunct="1">
+      <a:defRPr sz="1800" kern="1200">
+        <a:solidFill>
+          <a:schemeClr val="tx1"/>
+        </a:solidFill>
+        <a:latin typeface="+mn-lt"/>
+        <a:ea typeface="+mn-ea"/>
+        <a:cs typeface="+mn-cs"/>
+      </a:defRPr>
+    </a:lvl7pPr>
+    <a:lvl8pPr marL="3200400" algn="l" defTabSz="914400" rtl="0" eaLnBrk="1" latinLnBrk="0" hangingPunct="1">
+      <a:defRPr sz="1800" kern="1200">
+        <a:solidFill>
+          <a:schemeClr val="tx1"/>
+        </a:solidFill>
+        <a:latin typeface="+mn-lt"/>
+        <a:ea typeface="+mn-ea"/>
+        <a:cs typeface="+mn-cs"/>
+      </a:defRPr>
+    </a:lvl8pPr>
+    <a:lvl9pPr marL="3657600" algn="l" defTabSz="914400" rtl="0" eaLnBrk="1" latinLnBrk="0" hangingPunct="1">
+      <a:defRPr sz="1800" kern="1200">
+        <a:solidFill>
+          <a:schemeClr val="tx1"/>
+        </a:solidFill>
+        <a:latin typeface="+mn-lt"/>
+        <a:ea typeface="+mn-ea"/>
+        <a:cs typeface="+mn-cs"/>
+      </a:defRPr>
+    </a:lvl9pPr>
+  </p:defaultTextStyle>
 </p:presentation>
 </file>
 
 <file path=ppt/slideLayouts/slideLayout1.xml><?xml version="1.0" encoding="utf-8"?>
-<p:sldLayout xmlns:a="http://schemas.openxmlformats.org/drawingml/2006/main" xmlns:p="http://schemas.openxmlformats.org/presentationml/2006/main" xmlns:r="http://schemas.openxmlformats.org/officeDocument/2006/relationships" preserve="1" type="blank">
+<p:sldLayout xmlns:a="http://schemas.openxmlformats.org/drawingml/2006/main" xmlns:r="http://schemas.openxmlformats.org/officeDocument/2006/relationships" xmlns:p="http://schemas.openxmlformats.org/presentationml/2006/main" type="blank" preserve="1">
   <p:cSld name="Blank Slide">
     <p:spTree>
       <p:nvGrpSpPr>
@@ -39,11 +134,14 @@
       </p:grpSpPr>
     </p:spTree>
   </p:cSld>
+  <p:clrMapOvr>
+    <a:masterClrMapping/>
+  </p:clrMapOvr>
 </p:sldLayout>
 </file>
 
 <file path=ppt/slideLayouts/slideLayout10.xml><?xml version="1.0" encoding="utf-8"?>
-<p:sldLayout xmlns:a="http://schemas.openxmlformats.org/drawingml/2006/main" xmlns:p="http://schemas.openxmlformats.org/presentationml/2006/main" xmlns:r="http://schemas.openxmlformats.org/officeDocument/2006/relationships" preserve="1" type="objOverTx">
+<p:sldLayout xmlns:a="http://schemas.openxmlformats.org/drawingml/2006/main" xmlns:r="http://schemas.openxmlformats.org/officeDocument/2006/relationships" xmlns:p="http://schemas.openxmlformats.org/presentationml/2006/main" type="objOverTx" preserve="1">
   <p:cSld name="Title, Content over Content">
     <p:spTree>
       <p:nvGrpSpPr>
@@ -79,7 +177,8 @@
           </a:prstGeom>
         </p:spPr>
         <p:txBody>
-          <a:bodyPr anchor="ctr" bIns="0" lIns="0" rIns="0" tIns="0" wrap="none"/>
+          <a:bodyPr wrap="none" lIns="0" tIns="0" rIns="0" bIns="0" anchor="ctr"/>
+          <a:lstStyle/>
           <a:p>
             <a:endParaRPr/>
           </a:p>
@@ -105,7 +204,8 @@
           </a:prstGeom>
         </p:spPr>
         <p:txBody>
-          <a:bodyPr bIns="0" lIns="0" rIns="0" tIns="0" wrap="none"/>
+          <a:bodyPr wrap="none" lIns="0" tIns="0" rIns="0" bIns="0"/>
+          <a:lstStyle/>
           <a:p>
             <a:endParaRPr/>
           </a:p>
@@ -131,7 +231,8 @@
           </a:prstGeom>
         </p:spPr>
         <p:txBody>
-          <a:bodyPr bIns="0" lIns="0" rIns="0" tIns="0" wrap="none"/>
+          <a:bodyPr wrap="none" lIns="0" tIns="0" rIns="0" bIns="0"/>
+          <a:lstStyle/>
           <a:p>
             <a:endParaRPr/>
           </a:p>
@@ -139,11 +240,14 @@
       </p:sp>
     </p:spTree>
   </p:cSld>
+  <p:clrMapOvr>
+    <a:masterClrMapping/>
+  </p:clrMapOvr>
 </p:sldLayout>
 </file>
 
 <file path=ppt/slideLayouts/slideLayout11.xml><?xml version="1.0" encoding="utf-8"?>
-<p:sldLayout xmlns:a="http://schemas.openxmlformats.org/drawingml/2006/main" xmlns:p="http://schemas.openxmlformats.org/presentationml/2006/main" xmlns:r="http://schemas.openxmlformats.org/officeDocument/2006/relationships" preserve="1" type="fourObj">
+<p:sldLayout xmlns:a="http://schemas.openxmlformats.org/drawingml/2006/main" xmlns:r="http://schemas.openxmlformats.org/officeDocument/2006/relationships" xmlns:p="http://schemas.openxmlformats.org/presentationml/2006/main" type="fourObj" preserve="1">
   <p:cSld name="Title, 4 Content">
     <p:spTree>
       <p:nvGrpSpPr>
@@ -179,7 +283,8 @@
           </a:prstGeom>
         </p:spPr>
         <p:txBody>
-          <a:bodyPr anchor="ctr" bIns="0" lIns="0" rIns="0" tIns="0" wrap="none"/>
+          <a:bodyPr wrap="none" lIns="0" tIns="0" rIns="0" bIns="0" anchor="ctr"/>
+          <a:lstStyle/>
           <a:p>
             <a:endParaRPr/>
           </a:p>
@@ -205,7 +310,8 @@
           </a:prstGeom>
         </p:spPr>
         <p:txBody>
-          <a:bodyPr bIns="0" lIns="0" rIns="0" tIns="0" wrap="none"/>
+          <a:bodyPr wrap="none" lIns="0" tIns="0" rIns="0" bIns="0"/>
+          <a:lstStyle/>
           <a:p>
             <a:endParaRPr/>
           </a:p>
@@ -231,7 +337,8 @@
           </a:prstGeom>
         </p:spPr>
         <p:txBody>
-          <a:bodyPr bIns="0" lIns="0" rIns="0" tIns="0" wrap="none"/>
+          <a:bodyPr wrap="none" lIns="0" tIns="0" rIns="0" bIns="0"/>
+          <a:lstStyle/>
           <a:p>
             <a:endParaRPr/>
           </a:p>
@@ -257,7 +364,8 @@
           </a:prstGeom>
         </p:spPr>
         <p:txBody>
-          <a:bodyPr bIns="0" lIns="0" rIns="0" tIns="0" wrap="none"/>
+          <a:bodyPr wrap="none" lIns="0" tIns="0" rIns="0" bIns="0"/>
+          <a:lstStyle/>
           <a:p>
             <a:endParaRPr/>
           </a:p>
@@ -283,7 +391,8 @@
           </a:prstGeom>
         </p:spPr>
         <p:txBody>
-          <a:bodyPr bIns="0" lIns="0" rIns="0" tIns="0" wrap="none"/>
+          <a:bodyPr wrap="none" lIns="0" tIns="0" rIns="0" bIns="0"/>
+          <a:lstStyle/>
           <a:p>
             <a:endParaRPr/>
           </a:p>
@@ -291,11 +400,14 @@
       </p:sp>
     </p:spTree>
   </p:cSld>
+  <p:clrMapOvr>
+    <a:masterClrMapping/>
+  </p:clrMapOvr>
 </p:sldLayout>
 </file>
 
 <file path=ppt/slideLayouts/slideLayout12.xml><?xml version="1.0" encoding="utf-8"?>
-<p:sldLayout xmlns:a="http://schemas.openxmlformats.org/drawingml/2006/main" xmlns:p="http://schemas.openxmlformats.org/presentationml/2006/main" xmlns:r="http://schemas.openxmlformats.org/officeDocument/2006/relationships" preserve="1" type="blank">
+<p:sldLayout xmlns:a="http://schemas.openxmlformats.org/drawingml/2006/main" xmlns:r="http://schemas.openxmlformats.org/officeDocument/2006/relationships" xmlns:p="http://schemas.openxmlformats.org/presentationml/2006/main" type="blank" preserve="1">
   <p:cSld name="Title, 6 Content">
     <p:spTree>
       <p:nvGrpSpPr>
@@ -331,7 +443,8 @@
           </a:prstGeom>
         </p:spPr>
         <p:txBody>
-          <a:bodyPr anchor="ctr" bIns="0" lIns="0" rIns="0" tIns="0" wrap="none"/>
+          <a:bodyPr wrap="none" lIns="0" tIns="0" rIns="0" bIns="0" anchor="ctr"/>
+          <a:lstStyle/>
           <a:p>
             <a:endParaRPr/>
           </a:p>
@@ -357,7 +470,8 @@
           </a:prstGeom>
         </p:spPr>
         <p:txBody>
-          <a:bodyPr bIns="0" lIns="0" rIns="0" tIns="0" wrap="none"/>
+          <a:bodyPr wrap="none" lIns="0" tIns="0" rIns="0" bIns="0"/>
+          <a:lstStyle/>
           <a:p>
             <a:endParaRPr/>
           </a:p>
@@ -383,7 +497,8 @@
           </a:prstGeom>
         </p:spPr>
         <p:txBody>
-          <a:bodyPr bIns="0" lIns="0" rIns="0" tIns="0" wrap="none"/>
+          <a:bodyPr wrap="none" lIns="0" tIns="0" rIns="0" bIns="0"/>
+          <a:lstStyle/>
           <a:p>
             <a:endParaRPr/>
           </a:p>
@@ -391,7 +506,7 @@
       </p:sp>
       <p:pic>
         <p:nvPicPr>
-          <p:cNvPr descr="" id="41" name=""/>
+          <p:cNvPr id="41" name="Picture 40"/>
           <p:cNvPicPr/>
           <p:nvPr/>
         </p:nvPicPr>
@@ -416,12 +531,12 @@
       </p:pic>
       <p:pic>
         <p:nvPicPr>
-          <p:cNvPr descr="" id="42" name=""/>
+          <p:cNvPr id="42" name="Picture 41"/>
           <p:cNvPicPr/>
           <p:nvPr/>
         </p:nvPicPr>
         <p:blipFill>
-          <a:blip r:embed="rId3"/>
+          <a:blip r:embed="rId2"/>
           <a:stretch>
             <a:fillRect/>
           </a:stretch>
@@ -441,11 +556,14 @@
       </p:pic>
     </p:spTree>
   </p:cSld>
+  <p:clrMapOvr>
+    <a:masterClrMapping/>
+  </p:clrMapOvr>
 </p:sldLayout>
 </file>
 
 <file path=ppt/slideLayouts/slideLayout13.xml><?xml version="1.0" encoding="utf-8"?>
-<p:sldLayout xmlns:a="http://schemas.openxmlformats.org/drawingml/2006/main" xmlns:p="http://schemas.openxmlformats.org/presentationml/2006/main" xmlns:r="http://schemas.openxmlformats.org/officeDocument/2006/relationships" preserve="1" type="blank">
+<p:sldLayout xmlns:a="http://schemas.openxmlformats.org/drawingml/2006/main" xmlns:r="http://schemas.openxmlformats.org/officeDocument/2006/relationships" xmlns:p="http://schemas.openxmlformats.org/presentationml/2006/main" type="blank" preserve="1">
   <p:cSld name="Blank Slide">
     <p:spTree>
       <p:nvGrpSpPr>
@@ -463,11 +581,14 @@
       </p:grpSpPr>
     </p:spTree>
   </p:cSld>
+  <p:clrMapOvr>
+    <a:masterClrMapping/>
+  </p:clrMapOvr>
 </p:sldLayout>
 </file>
 
 <file path=ppt/slideLayouts/slideLayout14.xml><?xml version="1.0" encoding="utf-8"?>
-<p:sldLayout xmlns:a="http://schemas.openxmlformats.org/drawingml/2006/main" xmlns:p="http://schemas.openxmlformats.org/presentationml/2006/main" xmlns:r="http://schemas.openxmlformats.org/officeDocument/2006/relationships" preserve="1" type="tx">
+<p:sldLayout xmlns:a="http://schemas.openxmlformats.org/drawingml/2006/main" xmlns:r="http://schemas.openxmlformats.org/officeDocument/2006/relationships" xmlns:p="http://schemas.openxmlformats.org/presentationml/2006/main" type="tx" preserve="1">
   <p:cSld name="Title Slide">
     <p:spTree>
       <p:nvGrpSpPr>
@@ -503,7 +624,8 @@
           </a:prstGeom>
         </p:spPr>
         <p:txBody>
-          <a:bodyPr anchor="ctr" bIns="0" lIns="0" rIns="0" tIns="0" wrap="none"/>
+          <a:bodyPr wrap="none" lIns="0" tIns="0" rIns="0" bIns="0" anchor="ctr"/>
+          <a:lstStyle/>
           <a:p>
             <a:endParaRPr/>
           </a:p>
@@ -529,7 +651,8 @@
           </a:prstGeom>
         </p:spPr>
         <p:txBody>
-          <a:bodyPr anchor="ctr" bIns="0" lIns="0" rIns="0" tIns="0" wrap="none"/>
+          <a:bodyPr wrap="none" lIns="0" tIns="0" rIns="0" bIns="0" anchor="ctr"/>
+          <a:lstStyle/>
           <a:p>
             <a:pPr algn="ctr"/>
             <a:endParaRPr/>
@@ -538,11 +661,14 @@
       </p:sp>
     </p:spTree>
   </p:cSld>
+  <p:clrMapOvr>
+    <a:masterClrMapping/>
+  </p:clrMapOvr>
 </p:sldLayout>
 </file>
 
 <file path=ppt/slideLayouts/slideLayout15.xml><?xml version="1.0" encoding="utf-8"?>
-<p:sldLayout xmlns:a="http://schemas.openxmlformats.org/drawingml/2006/main" xmlns:p="http://schemas.openxmlformats.org/presentationml/2006/main" xmlns:r="http://schemas.openxmlformats.org/officeDocument/2006/relationships" preserve="1" type="obj">
+<p:sldLayout xmlns:a="http://schemas.openxmlformats.org/drawingml/2006/main" xmlns:r="http://schemas.openxmlformats.org/officeDocument/2006/relationships" xmlns:p="http://schemas.openxmlformats.org/presentationml/2006/main" type="obj" preserve="1">
   <p:cSld name="Title, Content">
     <p:spTree>
       <p:nvGrpSpPr>
@@ -578,7 +704,8 @@
           </a:prstGeom>
         </p:spPr>
         <p:txBody>
-          <a:bodyPr anchor="ctr" bIns="0" lIns="0" rIns="0" tIns="0" wrap="none"/>
+          <a:bodyPr wrap="none" lIns="0" tIns="0" rIns="0" bIns="0" anchor="ctr"/>
+          <a:lstStyle/>
           <a:p>
             <a:endParaRPr/>
           </a:p>
@@ -604,7 +731,8 @@
           </a:prstGeom>
         </p:spPr>
         <p:txBody>
-          <a:bodyPr bIns="0" lIns="0" rIns="0" tIns="0" wrap="none"/>
+          <a:bodyPr wrap="none" lIns="0" tIns="0" rIns="0" bIns="0"/>
+          <a:lstStyle/>
           <a:p>
             <a:endParaRPr/>
           </a:p>
@@ -612,11 +740,14 @@
       </p:sp>
     </p:spTree>
   </p:cSld>
+  <p:clrMapOvr>
+    <a:masterClrMapping/>
+  </p:clrMapOvr>
 </p:sldLayout>
 </file>
 
 <file path=ppt/slideLayouts/slideLayout16.xml><?xml version="1.0" encoding="utf-8"?>
-<p:sldLayout xmlns:a="http://schemas.openxmlformats.org/drawingml/2006/main" xmlns:p="http://schemas.openxmlformats.org/presentationml/2006/main" xmlns:r="http://schemas.openxmlformats.org/officeDocument/2006/relationships" preserve="1" type="twoObj">
+<p:sldLayout xmlns:a="http://schemas.openxmlformats.org/drawingml/2006/main" xmlns:r="http://schemas.openxmlformats.org/officeDocument/2006/relationships" xmlns:p="http://schemas.openxmlformats.org/presentationml/2006/main" type="twoObj" preserve="1">
   <p:cSld name="Title, 2 Content">
     <p:spTree>
       <p:nvGrpSpPr>
@@ -652,7 +783,8 @@
           </a:prstGeom>
         </p:spPr>
         <p:txBody>
-          <a:bodyPr anchor="ctr" bIns="0" lIns="0" rIns="0" tIns="0" wrap="none"/>
+          <a:bodyPr wrap="none" lIns="0" tIns="0" rIns="0" bIns="0" anchor="ctr"/>
+          <a:lstStyle/>
           <a:p>
             <a:endParaRPr/>
           </a:p>
@@ -678,7 +810,8 @@
           </a:prstGeom>
         </p:spPr>
         <p:txBody>
-          <a:bodyPr bIns="0" lIns="0" rIns="0" tIns="0" wrap="none"/>
+          <a:bodyPr wrap="none" lIns="0" tIns="0" rIns="0" bIns="0"/>
+          <a:lstStyle/>
           <a:p>
             <a:endParaRPr/>
           </a:p>
@@ -704,7 +837,8 @@
           </a:prstGeom>
         </p:spPr>
         <p:txBody>
-          <a:bodyPr bIns="0" lIns="0" rIns="0" tIns="0" wrap="none"/>
+          <a:bodyPr wrap="none" lIns="0" tIns="0" rIns="0" bIns="0"/>
+          <a:lstStyle/>
           <a:p>
             <a:endParaRPr/>
           </a:p>
@@ -712,11 +846,14 @@
       </p:sp>
     </p:spTree>
   </p:cSld>
+  <p:clrMapOvr>
+    <a:masterClrMapping/>
+  </p:clrMapOvr>
 </p:sldLayout>
 </file>
 
 <file path=ppt/slideLayouts/slideLayout17.xml><?xml version="1.0" encoding="utf-8"?>
-<p:sldLayout xmlns:a="http://schemas.openxmlformats.org/drawingml/2006/main" xmlns:p="http://schemas.openxmlformats.org/presentationml/2006/main" xmlns:r="http://schemas.openxmlformats.org/officeDocument/2006/relationships" preserve="1" type="titleOnly">
+<p:sldLayout xmlns:a="http://schemas.openxmlformats.org/drawingml/2006/main" xmlns:r="http://schemas.openxmlformats.org/officeDocument/2006/relationships" xmlns:p="http://schemas.openxmlformats.org/presentationml/2006/main" type="titleOnly" preserve="1">
   <p:cSld name="Title Only">
     <p:spTree>
       <p:nvGrpSpPr>
@@ -752,7 +889,8 @@
           </a:prstGeom>
         </p:spPr>
         <p:txBody>
-          <a:bodyPr anchor="ctr" bIns="0" lIns="0" rIns="0" tIns="0" wrap="none"/>
+          <a:bodyPr wrap="none" lIns="0" tIns="0" rIns="0" bIns="0" anchor="ctr"/>
+          <a:lstStyle/>
           <a:p>
             <a:endParaRPr/>
           </a:p>
@@ -760,11 +898,14 @@
       </p:sp>
     </p:spTree>
   </p:cSld>
+  <p:clrMapOvr>
+    <a:masterClrMapping/>
+  </p:clrMapOvr>
 </p:sldLayout>
 </file>
 
 <file path=ppt/slideLayouts/slideLayout18.xml><?xml version="1.0" encoding="utf-8"?>
-<p:sldLayout xmlns:a="http://schemas.openxmlformats.org/drawingml/2006/main" xmlns:p="http://schemas.openxmlformats.org/presentationml/2006/main" xmlns:r="http://schemas.openxmlformats.org/officeDocument/2006/relationships" preserve="1" type="objOnly">
+<p:sldLayout xmlns:a="http://schemas.openxmlformats.org/drawingml/2006/main" xmlns:r="http://schemas.openxmlformats.org/officeDocument/2006/relationships" xmlns:p="http://schemas.openxmlformats.org/presentationml/2006/main" type="objOnly" preserve="1">
   <p:cSld name="Centered Text">
     <p:spTree>
       <p:nvGrpSpPr>
@@ -800,7 +941,8 @@
           </a:prstGeom>
         </p:spPr>
         <p:txBody>
-          <a:bodyPr anchor="ctr" bIns="0" lIns="0" rIns="0" tIns="0" wrap="none"/>
+          <a:bodyPr wrap="none" lIns="0" tIns="0" rIns="0" bIns="0" anchor="ctr"/>
+          <a:lstStyle/>
           <a:p>
             <a:pPr algn="ctr"/>
             <a:endParaRPr/>
@@ -809,11 +951,14 @@
       </p:sp>
     </p:spTree>
   </p:cSld>
+  <p:clrMapOvr>
+    <a:masterClrMapping/>
+  </p:clrMapOvr>
 </p:sldLayout>
 </file>
 
 <file path=ppt/slideLayouts/slideLayout19.xml><?xml version="1.0" encoding="utf-8"?>
-<p:sldLayout xmlns:a="http://schemas.openxmlformats.org/drawingml/2006/main" xmlns:p="http://schemas.openxmlformats.org/presentationml/2006/main" xmlns:r="http://schemas.openxmlformats.org/officeDocument/2006/relationships" preserve="1" type="twoObjAndObj">
+<p:sldLayout xmlns:a="http://schemas.openxmlformats.org/drawingml/2006/main" xmlns:r="http://schemas.openxmlformats.org/officeDocument/2006/relationships" xmlns:p="http://schemas.openxmlformats.org/presentationml/2006/main" type="twoObjAndObj" preserve="1">
   <p:cSld name="Title, 2 Content and Content">
     <p:spTree>
       <p:nvGrpSpPr>
@@ -849,7 +994,8 @@
           </a:prstGeom>
         </p:spPr>
         <p:txBody>
-          <a:bodyPr anchor="ctr" bIns="0" lIns="0" rIns="0" tIns="0" wrap="none"/>
+          <a:bodyPr wrap="none" lIns="0" tIns="0" rIns="0" bIns="0" anchor="ctr"/>
+          <a:lstStyle/>
           <a:p>
             <a:endParaRPr/>
           </a:p>
@@ -875,7 +1021,8 @@
           </a:prstGeom>
         </p:spPr>
         <p:txBody>
-          <a:bodyPr bIns="0" lIns="0" rIns="0" tIns="0" wrap="none"/>
+          <a:bodyPr wrap="none" lIns="0" tIns="0" rIns="0" bIns="0"/>
+          <a:lstStyle/>
           <a:p>
             <a:endParaRPr/>
           </a:p>
@@ -901,7 +1048,8 @@
           </a:prstGeom>
         </p:spPr>
         <p:txBody>
-          <a:bodyPr bIns="0" lIns="0" rIns="0" tIns="0" wrap="none"/>
+          <a:bodyPr wrap="none" lIns="0" tIns="0" rIns="0" bIns="0"/>
+          <a:lstStyle/>
           <a:p>
             <a:endParaRPr/>
           </a:p>
@@ -927,7 +1075,8 @@
           </a:prstGeom>
         </p:spPr>
         <p:txBody>
-          <a:bodyPr bIns="0" lIns="0" rIns="0" tIns="0" wrap="none"/>
+          <a:bodyPr wrap="none" lIns="0" tIns="0" rIns="0" bIns="0"/>
+          <a:lstStyle/>
           <a:p>
             <a:endParaRPr/>
           </a:p>
@@ -935,11 +1084,14 @@
       </p:sp>
     </p:spTree>
   </p:cSld>
+  <p:clrMapOvr>
+    <a:masterClrMapping/>
+  </p:clrMapOvr>
 </p:sldLayout>
 </file>
 
 <file path=ppt/slideLayouts/slideLayout2.xml><?xml version="1.0" encoding="utf-8"?>
-<p:sldLayout xmlns:a="http://schemas.openxmlformats.org/drawingml/2006/main" xmlns:p="http://schemas.openxmlformats.org/presentationml/2006/main" xmlns:r="http://schemas.openxmlformats.org/officeDocument/2006/relationships" preserve="1" type="tx">
+<p:sldLayout xmlns:a="http://schemas.openxmlformats.org/drawingml/2006/main" xmlns:r="http://schemas.openxmlformats.org/officeDocument/2006/relationships" xmlns:p="http://schemas.openxmlformats.org/presentationml/2006/main" type="tx" preserve="1">
   <p:cSld name="Title Slide">
     <p:spTree>
       <p:nvGrpSpPr>
@@ -975,7 +1127,8 @@
           </a:prstGeom>
         </p:spPr>
         <p:txBody>
-          <a:bodyPr anchor="ctr" bIns="0" lIns="0" rIns="0" tIns="0" wrap="none"/>
+          <a:bodyPr wrap="none" lIns="0" tIns="0" rIns="0" bIns="0" anchor="ctr"/>
+          <a:lstStyle/>
           <a:p>
             <a:endParaRPr/>
           </a:p>
@@ -1001,7 +1154,8 @@
           </a:prstGeom>
         </p:spPr>
         <p:txBody>
-          <a:bodyPr anchor="ctr" bIns="0" lIns="0" rIns="0" tIns="0" wrap="none"/>
+          <a:bodyPr wrap="none" lIns="0" tIns="0" rIns="0" bIns="0" anchor="ctr"/>
+          <a:lstStyle/>
           <a:p>
             <a:pPr algn="ctr"/>
             <a:endParaRPr/>
@@ -1010,11 +1164,14 @@
       </p:sp>
     </p:spTree>
   </p:cSld>
+  <p:clrMapOvr>
+    <a:masterClrMapping/>
+  </p:clrMapOvr>
 </p:sldLayout>
 </file>
 
 <file path=ppt/slideLayouts/slideLayout20.xml><?xml version="1.0" encoding="utf-8"?>
-<p:sldLayout xmlns:a="http://schemas.openxmlformats.org/drawingml/2006/main" xmlns:p="http://schemas.openxmlformats.org/presentationml/2006/main" xmlns:r="http://schemas.openxmlformats.org/officeDocument/2006/relationships" preserve="1" type="objAndTwoObj">
+<p:sldLayout xmlns:a="http://schemas.openxmlformats.org/drawingml/2006/main" xmlns:r="http://schemas.openxmlformats.org/officeDocument/2006/relationships" xmlns:p="http://schemas.openxmlformats.org/presentationml/2006/main" type="objAndTwoObj" preserve="1">
   <p:cSld name="Title Content and 2 Content">
     <p:spTree>
       <p:nvGrpSpPr>
@@ -1050,7 +1207,8 @@
           </a:prstGeom>
         </p:spPr>
         <p:txBody>
-          <a:bodyPr anchor="ctr" bIns="0" lIns="0" rIns="0" tIns="0" wrap="none"/>
+          <a:bodyPr wrap="none" lIns="0" tIns="0" rIns="0" bIns="0" anchor="ctr"/>
+          <a:lstStyle/>
           <a:p>
             <a:endParaRPr/>
           </a:p>
@@ -1076,7 +1234,8 @@
           </a:prstGeom>
         </p:spPr>
         <p:txBody>
-          <a:bodyPr bIns="0" lIns="0" rIns="0" tIns="0" wrap="none"/>
+          <a:bodyPr wrap="none" lIns="0" tIns="0" rIns="0" bIns="0"/>
+          <a:lstStyle/>
           <a:p>
             <a:endParaRPr/>
           </a:p>
@@ -1102,7 +1261,8 @@
           </a:prstGeom>
         </p:spPr>
         <p:txBody>
-          <a:bodyPr bIns="0" lIns="0" rIns="0" tIns="0" wrap="none"/>
+          <a:bodyPr wrap="none" lIns="0" tIns="0" rIns="0" bIns="0"/>
+          <a:lstStyle/>
           <a:p>
             <a:endParaRPr/>
           </a:p>
@@ -1128,7 +1288,8 @@
           </a:prstGeom>
         </p:spPr>
         <p:txBody>
-          <a:bodyPr bIns="0" lIns="0" rIns="0" tIns="0" wrap="none"/>
+          <a:bodyPr wrap="none" lIns="0" tIns="0" rIns="0" bIns="0"/>
+          <a:lstStyle/>
           <a:p>
             <a:endParaRPr/>
           </a:p>
@@ -1136,11 +1297,14 @@
       </p:sp>
     </p:spTree>
   </p:cSld>
+  <p:clrMapOvr>
+    <a:masterClrMapping/>
+  </p:clrMapOvr>
 </p:sldLayout>
 </file>
 
 <file path=ppt/slideLayouts/slideLayout21.xml><?xml version="1.0" encoding="utf-8"?>
-<p:sldLayout xmlns:a="http://schemas.openxmlformats.org/drawingml/2006/main" xmlns:p="http://schemas.openxmlformats.org/presentationml/2006/main" xmlns:r="http://schemas.openxmlformats.org/officeDocument/2006/relationships" preserve="1" type="twoObjOverTx">
+<p:sldLayout xmlns:a="http://schemas.openxmlformats.org/drawingml/2006/main" xmlns:r="http://schemas.openxmlformats.org/officeDocument/2006/relationships" xmlns:p="http://schemas.openxmlformats.org/presentationml/2006/main" type="twoObjOverTx" preserve="1">
   <p:cSld name="Title, 2 Content over Content">
     <p:spTree>
       <p:nvGrpSpPr>
@@ -1176,7 +1340,8 @@
           </a:prstGeom>
         </p:spPr>
         <p:txBody>
-          <a:bodyPr anchor="ctr" bIns="0" lIns="0" rIns="0" tIns="0" wrap="none"/>
+          <a:bodyPr wrap="none" lIns="0" tIns="0" rIns="0" bIns="0" anchor="ctr"/>
+          <a:lstStyle/>
           <a:p>
             <a:endParaRPr/>
           </a:p>
@@ -1202,7 +1367,8 @@
           </a:prstGeom>
         </p:spPr>
         <p:txBody>
-          <a:bodyPr bIns="0" lIns="0" rIns="0" tIns="0" wrap="none"/>
+          <a:bodyPr wrap="none" lIns="0" tIns="0" rIns="0" bIns="0"/>
+          <a:lstStyle/>
           <a:p>
             <a:endParaRPr/>
           </a:p>
@@ -1228,7 +1394,8 @@
           </a:prstGeom>
         </p:spPr>
         <p:txBody>
-          <a:bodyPr bIns="0" lIns="0" rIns="0" tIns="0" wrap="none"/>
+          <a:bodyPr wrap="none" lIns="0" tIns="0" rIns="0" bIns="0"/>
+          <a:lstStyle/>
           <a:p>
             <a:endParaRPr/>
           </a:p>
@@ -1254,7 +1421,8 @@
           </a:prstGeom>
         </p:spPr>
         <p:txBody>
-          <a:bodyPr bIns="0" lIns="0" rIns="0" tIns="0" wrap="none"/>
+          <a:bodyPr wrap="none" lIns="0" tIns="0" rIns="0" bIns="0"/>
+          <a:lstStyle/>
           <a:p>
             <a:endParaRPr/>
           </a:p>
@@ -1262,11 +1430,14 @@
       </p:sp>
     </p:spTree>
   </p:cSld>
+  <p:clrMapOvr>
+    <a:masterClrMapping/>
+  </p:clrMapOvr>
 </p:sldLayout>
 </file>
 
 <file path=ppt/slideLayouts/slideLayout22.xml><?xml version="1.0" encoding="utf-8"?>
-<p:sldLayout xmlns:a="http://schemas.openxmlformats.org/drawingml/2006/main" xmlns:p="http://schemas.openxmlformats.org/presentationml/2006/main" xmlns:r="http://schemas.openxmlformats.org/officeDocument/2006/relationships" preserve="1" type="objOverTx">
+<p:sldLayout xmlns:a="http://schemas.openxmlformats.org/drawingml/2006/main" xmlns:r="http://schemas.openxmlformats.org/officeDocument/2006/relationships" xmlns:p="http://schemas.openxmlformats.org/presentationml/2006/main" type="objOverTx" preserve="1">
   <p:cSld name="Title, Content over Content">
     <p:spTree>
       <p:nvGrpSpPr>
@@ -1302,7 +1473,8 @@
           </a:prstGeom>
         </p:spPr>
         <p:txBody>
-          <a:bodyPr anchor="ctr" bIns="0" lIns="0" rIns="0" tIns="0" wrap="none"/>
+          <a:bodyPr wrap="none" lIns="0" tIns="0" rIns="0" bIns="0" anchor="ctr"/>
+          <a:lstStyle/>
           <a:p>
             <a:endParaRPr/>
           </a:p>
@@ -1328,7 +1500,8 @@
           </a:prstGeom>
         </p:spPr>
         <p:txBody>
-          <a:bodyPr bIns="0" lIns="0" rIns="0" tIns="0" wrap="none"/>
+          <a:bodyPr wrap="none" lIns="0" tIns="0" rIns="0" bIns="0"/>
+          <a:lstStyle/>
           <a:p>
             <a:endParaRPr/>
           </a:p>
@@ -1354,7 +1527,8 @@
           </a:prstGeom>
         </p:spPr>
         <p:txBody>
-          <a:bodyPr bIns="0" lIns="0" rIns="0" tIns="0" wrap="none"/>
+          <a:bodyPr wrap="none" lIns="0" tIns="0" rIns="0" bIns="0"/>
+          <a:lstStyle/>
           <a:p>
             <a:endParaRPr/>
           </a:p>
@@ -1362,11 +1536,14 @@
       </p:sp>
     </p:spTree>
   </p:cSld>
+  <p:clrMapOvr>
+    <a:masterClrMapping/>
+  </p:clrMapOvr>
 </p:sldLayout>
 </file>
 
 <file path=ppt/slideLayouts/slideLayout23.xml><?xml version="1.0" encoding="utf-8"?>
-<p:sldLayout xmlns:a="http://schemas.openxmlformats.org/drawingml/2006/main" xmlns:p="http://schemas.openxmlformats.org/presentationml/2006/main" xmlns:r="http://schemas.openxmlformats.org/officeDocument/2006/relationships" preserve="1" type="fourObj">
+<p:sldLayout xmlns:a="http://schemas.openxmlformats.org/drawingml/2006/main" xmlns:r="http://schemas.openxmlformats.org/officeDocument/2006/relationships" xmlns:p="http://schemas.openxmlformats.org/presentationml/2006/main" type="fourObj" preserve="1">
   <p:cSld name="Title, 4 Content">
     <p:spTree>
       <p:nvGrpSpPr>
@@ -1402,7 +1579,8 @@
           </a:prstGeom>
         </p:spPr>
         <p:txBody>
-          <a:bodyPr anchor="ctr" bIns="0" lIns="0" rIns="0" tIns="0" wrap="none"/>
+          <a:bodyPr wrap="none" lIns="0" tIns="0" rIns="0" bIns="0" anchor="ctr"/>
+          <a:lstStyle/>
           <a:p>
             <a:endParaRPr/>
           </a:p>
@@ -1428,7 +1606,8 @@
           </a:prstGeom>
         </p:spPr>
         <p:txBody>
-          <a:bodyPr bIns="0" lIns="0" rIns="0" tIns="0" wrap="none"/>
+          <a:bodyPr wrap="none" lIns="0" tIns="0" rIns="0" bIns="0"/>
+          <a:lstStyle/>
           <a:p>
             <a:endParaRPr/>
           </a:p>
@@ -1454,7 +1633,8 @@
           </a:prstGeom>
         </p:spPr>
         <p:txBody>
-          <a:bodyPr bIns="0" lIns="0" rIns="0" tIns="0" wrap="none"/>
+          <a:bodyPr wrap="none" lIns="0" tIns="0" rIns="0" bIns="0"/>
+          <a:lstStyle/>
           <a:p>
             <a:endParaRPr/>
           </a:p>
@@ -1480,7 +1660,8 @@
           </a:prstGeom>
         </p:spPr>
         <p:txBody>
-          <a:bodyPr bIns="0" lIns="0" rIns="0" tIns="0" wrap="none"/>
+          <a:bodyPr wrap="none" lIns="0" tIns="0" rIns="0" bIns="0"/>
+          <a:lstStyle/>
           <a:p>
             <a:endParaRPr/>
           </a:p>
@@ -1506,7 +1687,8 @@
           </a:prstGeom>
         </p:spPr>
         <p:txBody>
-          <a:bodyPr bIns="0" lIns="0" rIns="0" tIns="0" wrap="none"/>
+          <a:bodyPr wrap="none" lIns="0" tIns="0" rIns="0" bIns="0"/>
+          <a:lstStyle/>
           <a:p>
             <a:endParaRPr/>
           </a:p>
@@ -1514,11 +1696,14 @@
       </p:sp>
     </p:spTree>
   </p:cSld>
+  <p:clrMapOvr>
+    <a:masterClrMapping/>
+  </p:clrMapOvr>
 </p:sldLayout>
 </file>
 
 <file path=ppt/slideLayouts/slideLayout24.xml><?xml version="1.0" encoding="utf-8"?>
-<p:sldLayout xmlns:a="http://schemas.openxmlformats.org/drawingml/2006/main" xmlns:p="http://schemas.openxmlformats.org/presentationml/2006/main" xmlns:r="http://schemas.openxmlformats.org/officeDocument/2006/relationships" preserve="1" type="blank">
+<p:sldLayout xmlns:a="http://schemas.openxmlformats.org/drawingml/2006/main" xmlns:r="http://schemas.openxmlformats.org/officeDocument/2006/relationships" xmlns:p="http://schemas.openxmlformats.org/presentationml/2006/main" type="blank" preserve="1">
   <p:cSld name="Title, 6 Content">
     <p:spTree>
       <p:nvGrpSpPr>
@@ -1554,7 +1739,8 @@
           </a:prstGeom>
         </p:spPr>
         <p:txBody>
-          <a:bodyPr anchor="ctr" bIns="0" lIns="0" rIns="0" tIns="0" wrap="none"/>
+          <a:bodyPr wrap="none" lIns="0" tIns="0" rIns="0" bIns="0" anchor="ctr"/>
+          <a:lstStyle/>
           <a:p>
             <a:endParaRPr/>
           </a:p>
@@ -1580,7 +1766,8 @@
           </a:prstGeom>
         </p:spPr>
         <p:txBody>
-          <a:bodyPr bIns="0" lIns="0" rIns="0" tIns="0" wrap="none"/>
+          <a:bodyPr wrap="none" lIns="0" tIns="0" rIns="0" bIns="0"/>
+          <a:lstStyle/>
           <a:p>
             <a:endParaRPr/>
           </a:p>
@@ -1606,7 +1793,8 @@
           </a:prstGeom>
         </p:spPr>
         <p:txBody>
-          <a:bodyPr bIns="0" lIns="0" rIns="0" tIns="0" wrap="none"/>
+          <a:bodyPr wrap="none" lIns="0" tIns="0" rIns="0" bIns="0"/>
+          <a:lstStyle/>
           <a:p>
             <a:endParaRPr/>
           </a:p>
@@ -1614,7 +1802,7 @@
       </p:sp>
       <p:pic>
         <p:nvPicPr>
-          <p:cNvPr descr="" id="82" name=""/>
+          <p:cNvPr id="82" name="Picture 81"/>
           <p:cNvPicPr/>
           <p:nvPr/>
         </p:nvPicPr>
@@ -1639,12 +1827,12 @@
       </p:pic>
       <p:pic>
         <p:nvPicPr>
-          <p:cNvPr descr="" id="83" name=""/>
+          <p:cNvPr id="83" name="Picture 82"/>
           <p:cNvPicPr/>
           <p:nvPr/>
         </p:nvPicPr>
         <p:blipFill>
-          <a:blip r:embed="rId3"/>
+          <a:blip r:embed="rId2"/>
           <a:stretch>
             <a:fillRect/>
           </a:stretch>
@@ -1664,11 +1852,14 @@
       </p:pic>
     </p:spTree>
   </p:cSld>
+  <p:clrMapOvr>
+    <a:masterClrMapping/>
+  </p:clrMapOvr>
 </p:sldLayout>
 </file>
 
 <file path=ppt/slideLayouts/slideLayout3.xml><?xml version="1.0" encoding="utf-8"?>
-<p:sldLayout xmlns:a="http://schemas.openxmlformats.org/drawingml/2006/main" xmlns:p="http://schemas.openxmlformats.org/presentationml/2006/main" xmlns:r="http://schemas.openxmlformats.org/officeDocument/2006/relationships" preserve="1" type="obj">
+<p:sldLayout xmlns:a="http://schemas.openxmlformats.org/drawingml/2006/main" xmlns:r="http://schemas.openxmlformats.org/officeDocument/2006/relationships" xmlns:p="http://schemas.openxmlformats.org/presentationml/2006/main" type="obj" preserve="1">
   <p:cSld name="Title, Content">
     <p:spTree>
       <p:nvGrpSpPr>
@@ -1704,7 +1895,8 @@
           </a:prstGeom>
         </p:spPr>
         <p:txBody>
-          <a:bodyPr anchor="ctr" bIns="0" lIns="0" rIns="0" tIns="0" wrap="none"/>
+          <a:bodyPr wrap="none" lIns="0" tIns="0" rIns="0" bIns="0" anchor="ctr"/>
+          <a:lstStyle/>
           <a:p>
             <a:endParaRPr/>
           </a:p>
@@ -1730,7 +1922,8 @@
           </a:prstGeom>
         </p:spPr>
         <p:txBody>
-          <a:bodyPr bIns="0" lIns="0" rIns="0" tIns="0" wrap="none"/>
+          <a:bodyPr wrap="none" lIns="0" tIns="0" rIns="0" bIns="0"/>
+          <a:lstStyle/>
           <a:p>
             <a:endParaRPr/>
           </a:p>
@@ -1738,11 +1931,14 @@
       </p:sp>
     </p:spTree>
   </p:cSld>
+  <p:clrMapOvr>
+    <a:masterClrMapping/>
+  </p:clrMapOvr>
 </p:sldLayout>
 </file>
 
 <file path=ppt/slideLayouts/slideLayout4.xml><?xml version="1.0" encoding="utf-8"?>
-<p:sldLayout xmlns:a="http://schemas.openxmlformats.org/drawingml/2006/main" xmlns:p="http://schemas.openxmlformats.org/presentationml/2006/main" xmlns:r="http://schemas.openxmlformats.org/officeDocument/2006/relationships" preserve="1" type="twoObj">
+<p:sldLayout xmlns:a="http://schemas.openxmlformats.org/drawingml/2006/main" xmlns:r="http://schemas.openxmlformats.org/officeDocument/2006/relationships" xmlns:p="http://schemas.openxmlformats.org/presentationml/2006/main" type="twoObj" preserve="1">
   <p:cSld name="Title, 2 Content">
     <p:spTree>
       <p:nvGrpSpPr>
@@ -1778,7 +1974,8 @@
           </a:prstGeom>
         </p:spPr>
         <p:txBody>
-          <a:bodyPr anchor="ctr" bIns="0" lIns="0" rIns="0" tIns="0" wrap="none"/>
+          <a:bodyPr wrap="none" lIns="0" tIns="0" rIns="0" bIns="0" anchor="ctr"/>
+          <a:lstStyle/>
           <a:p>
             <a:endParaRPr/>
           </a:p>
@@ -1804,7 +2001,8 @@
           </a:prstGeom>
         </p:spPr>
         <p:txBody>
-          <a:bodyPr bIns="0" lIns="0" rIns="0" tIns="0" wrap="none"/>
+          <a:bodyPr wrap="none" lIns="0" tIns="0" rIns="0" bIns="0"/>
+          <a:lstStyle/>
           <a:p>
             <a:endParaRPr/>
           </a:p>
@@ -1830,7 +2028,8 @@
           </a:prstGeom>
         </p:spPr>
         <p:txBody>
-          <a:bodyPr bIns="0" lIns="0" rIns="0" tIns="0" wrap="none"/>
+          <a:bodyPr wrap="none" lIns="0" tIns="0" rIns="0" bIns="0"/>
+          <a:lstStyle/>
           <a:p>
             <a:endParaRPr/>
           </a:p>
@@ -1838,11 +2037,14 @@
       </p:sp>
     </p:spTree>
   </p:cSld>
+  <p:clrMapOvr>
+    <a:masterClrMapping/>
+  </p:clrMapOvr>
 </p:sldLayout>
 </file>
 
 <file path=ppt/slideLayouts/slideLayout5.xml><?xml version="1.0" encoding="utf-8"?>
-<p:sldLayout xmlns:a="http://schemas.openxmlformats.org/drawingml/2006/main" xmlns:p="http://schemas.openxmlformats.org/presentationml/2006/main" xmlns:r="http://schemas.openxmlformats.org/officeDocument/2006/relationships" preserve="1" type="titleOnly">
+<p:sldLayout xmlns:a="http://schemas.openxmlformats.org/drawingml/2006/main" xmlns:r="http://schemas.openxmlformats.org/officeDocument/2006/relationships" xmlns:p="http://schemas.openxmlformats.org/presentationml/2006/main" type="titleOnly" preserve="1">
   <p:cSld name="Title Only">
     <p:spTree>
       <p:nvGrpSpPr>
@@ -1878,7 +2080,8 @@
           </a:prstGeom>
         </p:spPr>
         <p:txBody>
-          <a:bodyPr anchor="ctr" bIns="0" lIns="0" rIns="0" tIns="0" wrap="none"/>
+          <a:bodyPr wrap="none" lIns="0" tIns="0" rIns="0" bIns="0" anchor="ctr"/>
+          <a:lstStyle/>
           <a:p>
             <a:endParaRPr/>
           </a:p>
@@ -1886,11 +2089,14 @@
       </p:sp>
     </p:spTree>
   </p:cSld>
+  <p:clrMapOvr>
+    <a:masterClrMapping/>
+  </p:clrMapOvr>
 </p:sldLayout>
 </file>
 
 <file path=ppt/slideLayouts/slideLayout6.xml><?xml version="1.0" encoding="utf-8"?>
-<p:sldLayout xmlns:a="http://schemas.openxmlformats.org/drawingml/2006/main" xmlns:p="http://schemas.openxmlformats.org/presentationml/2006/main" xmlns:r="http://schemas.openxmlformats.org/officeDocument/2006/relationships" preserve="1" type="objOnly">
+<p:sldLayout xmlns:a="http://schemas.openxmlformats.org/drawingml/2006/main" xmlns:r="http://schemas.openxmlformats.org/officeDocument/2006/relationships" xmlns:p="http://schemas.openxmlformats.org/presentationml/2006/main" type="objOnly" preserve="1">
   <p:cSld name="Centered Text">
     <p:spTree>
       <p:nvGrpSpPr>
@@ -1926,7 +2132,8 @@
           </a:prstGeom>
         </p:spPr>
         <p:txBody>
-          <a:bodyPr anchor="ctr" bIns="0" lIns="0" rIns="0" tIns="0" wrap="none"/>
+          <a:bodyPr wrap="none" lIns="0" tIns="0" rIns="0" bIns="0" anchor="ctr"/>
+          <a:lstStyle/>
           <a:p>
             <a:pPr algn="ctr"/>
             <a:endParaRPr/>
@@ -1935,11 +2142,14 @@
       </p:sp>
     </p:spTree>
   </p:cSld>
+  <p:clrMapOvr>
+    <a:masterClrMapping/>
+  </p:clrMapOvr>
 </p:sldLayout>
 </file>
 
 <file path=ppt/slideLayouts/slideLayout7.xml><?xml version="1.0" encoding="utf-8"?>
-<p:sldLayout xmlns:a="http://schemas.openxmlformats.org/drawingml/2006/main" xmlns:p="http://schemas.openxmlformats.org/presentationml/2006/main" xmlns:r="http://schemas.openxmlformats.org/officeDocument/2006/relationships" preserve="1" type="twoObjAndObj">
+<p:sldLayout xmlns:a="http://schemas.openxmlformats.org/drawingml/2006/main" xmlns:r="http://schemas.openxmlformats.org/officeDocument/2006/relationships" xmlns:p="http://schemas.openxmlformats.org/presentationml/2006/main" type="twoObjAndObj" preserve="1">
   <p:cSld name="Title, 2 Content and Content">
     <p:spTree>
       <p:nvGrpSpPr>
@@ -1975,7 +2185,8 @@
           </a:prstGeom>
         </p:spPr>
         <p:txBody>
-          <a:bodyPr anchor="ctr" bIns="0" lIns="0" rIns="0" tIns="0" wrap="none"/>
+          <a:bodyPr wrap="none" lIns="0" tIns="0" rIns="0" bIns="0" anchor="ctr"/>
+          <a:lstStyle/>
           <a:p>
             <a:endParaRPr/>
           </a:p>
@@ -2001,7 +2212,8 @@
           </a:prstGeom>
         </p:spPr>
         <p:txBody>
-          <a:bodyPr bIns="0" lIns="0" rIns="0" tIns="0" wrap="none"/>
+          <a:bodyPr wrap="none" lIns="0" tIns="0" rIns="0" bIns="0"/>
+          <a:lstStyle/>
           <a:p>
             <a:endParaRPr/>
           </a:p>
@@ -2027,7 +2239,8 @@
           </a:prstGeom>
         </p:spPr>
         <p:txBody>
-          <a:bodyPr bIns="0" lIns="0" rIns="0" tIns="0" wrap="none"/>
+          <a:bodyPr wrap="none" lIns="0" tIns="0" rIns="0" bIns="0"/>
+          <a:lstStyle/>
           <a:p>
             <a:endParaRPr/>
           </a:p>
@@ -2053,7 +2266,8 @@
           </a:prstGeom>
         </p:spPr>
         <p:txBody>
-          <a:bodyPr bIns="0" lIns="0" rIns="0" tIns="0" wrap="none"/>
+          <a:bodyPr wrap="none" lIns="0" tIns="0" rIns="0" bIns="0"/>
+          <a:lstStyle/>
           <a:p>
             <a:endParaRPr/>
           </a:p>
@@ -2061,11 +2275,14 @@
       </p:sp>
     </p:spTree>
   </p:cSld>
+  <p:clrMapOvr>
+    <a:masterClrMapping/>
+  </p:clrMapOvr>
 </p:sldLayout>
 </file>
 
 <file path=ppt/slideLayouts/slideLayout8.xml><?xml version="1.0" encoding="utf-8"?>
-<p:sldLayout xmlns:a="http://schemas.openxmlformats.org/drawingml/2006/main" xmlns:p="http://schemas.openxmlformats.org/presentationml/2006/main" xmlns:r="http://schemas.openxmlformats.org/officeDocument/2006/relationships" preserve="1" type="objAndTwoObj">
+<p:sldLayout xmlns:a="http://schemas.openxmlformats.org/drawingml/2006/main" xmlns:r="http://schemas.openxmlformats.org/officeDocument/2006/relationships" xmlns:p="http://schemas.openxmlformats.org/presentationml/2006/main" type="objAndTwoObj" preserve="1">
   <p:cSld name="Title Content and 2 Content">
     <p:spTree>
       <p:nvGrpSpPr>
@@ -2101,7 +2318,8 @@
           </a:prstGeom>
         </p:spPr>
         <p:txBody>
-          <a:bodyPr anchor="ctr" bIns="0" lIns="0" rIns="0" tIns="0" wrap="none"/>
+          <a:bodyPr wrap="none" lIns="0" tIns="0" rIns="0" bIns="0" anchor="ctr"/>
+          <a:lstStyle/>
           <a:p>
             <a:endParaRPr/>
           </a:p>
@@ -2127,7 +2345,8 @@
           </a:prstGeom>
         </p:spPr>
         <p:txBody>
-          <a:bodyPr bIns="0" lIns="0" rIns="0" tIns="0" wrap="none"/>
+          <a:bodyPr wrap="none" lIns="0" tIns="0" rIns="0" bIns="0"/>
+          <a:lstStyle/>
           <a:p>
             <a:endParaRPr/>
           </a:p>
@@ -2153,7 +2372,8 @@
           </a:prstGeom>
         </p:spPr>
         <p:txBody>
-          <a:bodyPr bIns="0" lIns="0" rIns="0" tIns="0" wrap="none"/>
+          <a:bodyPr wrap="none" lIns="0" tIns="0" rIns="0" bIns="0"/>
+          <a:lstStyle/>
           <a:p>
             <a:endParaRPr/>
           </a:p>
@@ -2179,7 +2399,8 @@
           </a:prstGeom>
         </p:spPr>
         <p:txBody>
-          <a:bodyPr bIns="0" lIns="0" rIns="0" tIns="0" wrap="none"/>
+          <a:bodyPr wrap="none" lIns="0" tIns="0" rIns="0" bIns="0"/>
+          <a:lstStyle/>
           <a:p>
             <a:endParaRPr/>
           </a:p>
@@ -2187,11 +2408,14 @@
       </p:sp>
     </p:spTree>
   </p:cSld>
+  <p:clrMapOvr>
+    <a:masterClrMapping/>
+  </p:clrMapOvr>
 </p:sldLayout>
 </file>
 
 <file path=ppt/slideLayouts/slideLayout9.xml><?xml version="1.0" encoding="utf-8"?>
-<p:sldLayout xmlns:a="http://schemas.openxmlformats.org/drawingml/2006/main" xmlns:p="http://schemas.openxmlformats.org/presentationml/2006/main" xmlns:r="http://schemas.openxmlformats.org/officeDocument/2006/relationships" preserve="1" type="twoObjOverTx">
+<p:sldLayout xmlns:a="http://schemas.openxmlformats.org/drawingml/2006/main" xmlns:r="http://schemas.openxmlformats.org/officeDocument/2006/relationships" xmlns:p="http://schemas.openxmlformats.org/presentationml/2006/main" type="twoObjOverTx" preserve="1">
   <p:cSld name="Title, 2 Content over Content">
     <p:spTree>
       <p:nvGrpSpPr>
@@ -2227,7 +2451,8 @@
           </a:prstGeom>
         </p:spPr>
         <p:txBody>
-          <a:bodyPr anchor="ctr" bIns="0" lIns="0" rIns="0" tIns="0" wrap="none"/>
+          <a:bodyPr wrap="none" lIns="0" tIns="0" rIns="0" bIns="0" anchor="ctr"/>
+          <a:lstStyle/>
           <a:p>
             <a:endParaRPr/>
           </a:p>
@@ -2253,7 +2478,8 @@
           </a:prstGeom>
         </p:spPr>
         <p:txBody>
-          <a:bodyPr bIns="0" lIns="0" rIns="0" tIns="0" wrap="none"/>
+          <a:bodyPr wrap="none" lIns="0" tIns="0" rIns="0" bIns="0"/>
+          <a:lstStyle/>
           <a:p>
             <a:endParaRPr/>
           </a:p>
@@ -2279,7 +2505,8 @@
           </a:prstGeom>
         </p:spPr>
         <p:txBody>
-          <a:bodyPr bIns="0" lIns="0" rIns="0" tIns="0" wrap="none"/>
+          <a:bodyPr wrap="none" lIns="0" tIns="0" rIns="0" bIns="0"/>
+          <a:lstStyle/>
           <a:p>
             <a:endParaRPr/>
           </a:p>
@@ -2305,7 +2532,8 @@
           </a:prstGeom>
         </p:spPr>
         <p:txBody>
-          <a:bodyPr bIns="0" lIns="0" rIns="0" tIns="0" wrap="none"/>
+          <a:bodyPr wrap="none" lIns="0" tIns="0" rIns="0" bIns="0"/>
+          <a:lstStyle/>
           <a:p>
             <a:endParaRPr/>
           </a:p>
@@ -2313,17 +2541,21 @@
       </p:sp>
     </p:spTree>
   </p:cSld>
+  <p:clrMapOvr>
+    <a:masterClrMapping/>
+  </p:clrMapOvr>
 </p:sldLayout>
 </file>
 
 <file path=ppt/slideMasters/slideMaster1.xml><?xml version="1.0" encoding="utf-8"?>
-<p:sldMaster xmlns:a="http://schemas.openxmlformats.org/drawingml/2006/main" xmlns:p="http://schemas.openxmlformats.org/presentationml/2006/main" xmlns:r="http://schemas.openxmlformats.org/officeDocument/2006/relationships">
+<p:sldMaster xmlns:a="http://schemas.openxmlformats.org/drawingml/2006/main" xmlns:r="http://schemas.openxmlformats.org/officeDocument/2006/relationships" xmlns:p="http://schemas.openxmlformats.org/presentationml/2006/main">
   <p:cSld>
     <p:bg>
       <p:bgPr>
         <a:solidFill>
-          <a:srgbClr val="ffffff"/>
+          <a:srgbClr val="FFFFFF"/>
         </a:solidFill>
+        <a:effectLst/>
       </p:bgPr>
     </p:bg>
     <p:spTree>
@@ -2342,7 +2574,7 @@
       </p:grpSpPr>
       <p:sp>
         <p:nvSpPr>
-          <p:cNvPr id="0" name="CustomShape 1"/>
+          <p:cNvPr id="9" name="CustomShape 1"/>
           <p:cNvSpPr/>
           <p:nvPr/>
         </p:nvSpPr>
@@ -2355,7 +2587,7 @@
             <a:avLst/>
           </a:prstGeom>
           <a:solidFill>
-            <a:srgbClr val="4584d3"/>
+            <a:srgbClr val="4584D3"/>
           </a:solidFill>
           <a:ln w="25560">
             <a:noFill/>
@@ -2364,7 +2596,7 @@
       </p:sp>
       <p:sp>
         <p:nvSpPr>
-          <p:cNvPr id="1" name="CustomShape 2"/>
+          <p:cNvPr id="10" name="CustomShape 2"/>
           <p:cNvSpPr/>
           <p:nvPr/>
         </p:nvSpPr>
@@ -2377,7 +2609,7 @@
             <a:avLst/>
           </a:prstGeom>
           <a:solidFill>
-            <a:srgbClr val="5bd078"/>
+            <a:srgbClr val="5BD078"/>
           </a:solidFill>
           <a:ln w="25560">
             <a:noFill/>
@@ -2399,7 +2631,7 @@
             <a:avLst/>
           </a:prstGeom>
           <a:solidFill>
-            <a:srgbClr val="4584d3"/>
+            <a:srgbClr val="4584D3"/>
           </a:solidFill>
           <a:ln w="25560">
             <a:noFill/>
@@ -2421,7 +2653,7 @@
             <a:avLst/>
           </a:prstGeom>
           <a:solidFill>
-            <a:srgbClr val="5bd078"/>
+            <a:srgbClr val="5BD078"/>
           </a:solidFill>
           <a:ln w="25560">
             <a:noFill/>
@@ -2448,7 +2680,8 @@
           </a:prstGeom>
         </p:spPr>
         <p:txBody>
-          <a:bodyPr anchor="b" bIns="9000"/>
+          <a:bodyPr bIns="9000" anchor="b"/>
+          <a:lstStyle/>
           <a:p>
             <a:pPr>
               <a:lnSpc>
@@ -2489,6 +2722,7 @@
         </p:spPr>
         <p:txBody>
           <a:bodyPr anchor="ctr"/>
+          <a:lstStyle/>
           <a:p>
             <a:pPr>
               <a:lnSpc>
@@ -2498,7 +2732,7 @@
             <a:r>
               <a:rPr lang="en-GB" sz="1200">
                 <a:solidFill>
-                  <a:srgbClr val="ffffff"/>
+                  <a:srgbClr val="FFFFFF"/>
                 </a:solidFill>
                 <a:latin typeface="Franklin Gothic Book"/>
               </a:rPr>
@@ -2529,6 +2763,7 @@
         </p:spPr>
         <p:txBody>
           <a:bodyPr anchor="ctr"/>
+          <a:lstStyle/>
           <a:p>
             <a:endParaRPr/>
           </a:p>
@@ -2554,7 +2789,8 @@
           </a:prstGeom>
         </p:spPr>
         <p:txBody>
-          <a:bodyPr anchor="ctr" bIns="9000" lIns="9000" rIns="9000" tIns="9000"/>
+          <a:bodyPr lIns="9000" tIns="9000" rIns="9000" bIns="9000" anchor="ctr"/>
+          <a:lstStyle/>
           <a:p>
             <a:pPr algn="ctr">
               <a:lnSpc>
@@ -2564,11 +2800,11 @@
             <a:fld id="{83BF4A75-3064-44D8-9AD3-0DB1E0DDC818}" type="slidenum">
               <a:rPr lang="en-GB" sz="1650">
                 <a:solidFill>
-                  <a:srgbClr val="ffffff"/>
+                  <a:srgbClr val="FFFFFF"/>
                 </a:solidFill>
                 <a:latin typeface="Franklin Gothic Book"/>
               </a:rPr>
-              <a:t>&lt;number&gt;</a:t>
+              <a:t>‹#›</a:t>
             </a:fld>
             <a:endParaRPr/>
           </a:p>
@@ -2594,7 +2830,8 @@
           </a:prstGeom>
         </p:spPr>
         <p:txBody>
-          <a:bodyPr bIns="0" lIns="0" rIns="0" tIns="0" wrap="none"/>
+          <a:bodyPr wrap="none" lIns="0" tIns="0" rIns="0" bIns="0"/>
+          <a:lstStyle/>
           <a:p>
             <a:pPr>
               <a:buSzPct val="25000"/>
@@ -2683,32 +2920,38 @@
       </p:sp>
     </p:spTree>
   </p:cSld>
-  <p:clrMap accent1="accent1" accent2="accent2" accent3="accent3" accent4="accent4" accent5="accent5" accent6="accent6" bg1="lt1" bg2="lt2" folHlink="folHlink" hlink="hlink" tx1="dk1" tx2="dk2"/>
+  <p:clrMap bg1="lt1" tx1="dk1" bg2="lt2" tx2="dk2" accent1="accent1" accent2="accent2" accent3="accent3" accent4="accent4" accent5="accent5" accent6="accent6" hlink="hlink" folHlink="folHlink"/>
   <p:sldLayoutIdLst>
-    <p:sldLayoutId id="2147483649" r:id="rId2"/>
-    <p:sldLayoutId id="2147483650" r:id="rId3"/>
-    <p:sldLayoutId id="2147483651" r:id="rId4"/>
-    <p:sldLayoutId id="2147483652" r:id="rId5"/>
-    <p:sldLayoutId id="2147483653" r:id="rId6"/>
-    <p:sldLayoutId id="2147483654" r:id="rId7"/>
-    <p:sldLayoutId id="2147483655" r:id="rId8"/>
-    <p:sldLayoutId id="2147483656" r:id="rId9"/>
-    <p:sldLayoutId id="2147483657" r:id="rId10"/>
-    <p:sldLayoutId id="2147483658" r:id="rId11"/>
-    <p:sldLayoutId id="2147483659" r:id="rId12"/>
-    <p:sldLayoutId id="2147483660" r:id="rId13"/>
+    <p:sldLayoutId id="2147483649" r:id="rId1"/>
+    <p:sldLayoutId id="2147483650" r:id="rId2"/>
+    <p:sldLayoutId id="2147483651" r:id="rId3"/>
+    <p:sldLayoutId id="2147483652" r:id="rId4"/>
+    <p:sldLayoutId id="2147483653" r:id="rId5"/>
+    <p:sldLayoutId id="2147483654" r:id="rId6"/>
+    <p:sldLayoutId id="2147483655" r:id="rId7"/>
+    <p:sldLayoutId id="2147483656" r:id="rId8"/>
+    <p:sldLayoutId id="2147483657" r:id="rId9"/>
+    <p:sldLayoutId id="2147483658" r:id="rId10"/>
+    <p:sldLayoutId id="2147483659" r:id="rId11"/>
+    <p:sldLayoutId id="2147483660" r:id="rId12"/>
   </p:sldLayoutIdLst>
+  <p:txStyles>
+    <p:titleStyle/>
+    <p:bodyStyle/>
+    <p:otherStyle/>
+  </p:txStyles>
 </p:sldMaster>
 </file>
 
 <file path=ppt/slideMasters/slideMaster2.xml><?xml version="1.0" encoding="utf-8"?>
-<p:sldMaster xmlns:a="http://schemas.openxmlformats.org/drawingml/2006/main" xmlns:p="http://schemas.openxmlformats.org/presentationml/2006/main" xmlns:r="http://schemas.openxmlformats.org/officeDocument/2006/relationships">
+<p:sldMaster xmlns:a="http://schemas.openxmlformats.org/drawingml/2006/main" xmlns:r="http://schemas.openxmlformats.org/officeDocument/2006/relationships" xmlns:p="http://schemas.openxmlformats.org/presentationml/2006/main">
   <p:cSld>
     <p:bg>
       <p:bgPr>
         <a:solidFill>
-          <a:srgbClr val="ffffff"/>
+          <a:srgbClr val="FFFFFF"/>
         </a:solidFill>
+        <a:effectLst/>
       </p:bgPr>
     </p:bg>
     <p:spTree>
@@ -2740,7 +2983,7 @@
             <a:avLst/>
           </a:prstGeom>
           <a:solidFill>
-            <a:srgbClr val="4584d3"/>
+            <a:srgbClr val="4584D3"/>
           </a:solidFill>
           <a:ln w="25560">
             <a:noFill/>
@@ -2762,7 +3005,7 @@
             <a:avLst/>
           </a:prstGeom>
           <a:solidFill>
-            <a:srgbClr val="5bd078"/>
+            <a:srgbClr val="5BD078"/>
           </a:solidFill>
           <a:ln w="25560">
             <a:noFill/>
@@ -2790,6 +3033,7 @@
         </p:spPr>
         <p:txBody>
           <a:bodyPr anchor="ctr"/>
+          <a:lstStyle/>
           <a:p>
             <a:pPr>
               <a:lnSpc>
@@ -2830,6 +3074,7 @@
         </p:spPr>
         <p:txBody>
           <a:bodyPr/>
+          <a:lstStyle/>
           <a:p>
             <a:pPr>
               <a:buSzPct val="25000"/>
@@ -2837,7 +3082,7 @@
               <a:buChar char=""/>
             </a:pPr>
             <a:r>
-              <a:rPr b="1" lang="nl-NL" sz="1600">
+              <a:rPr lang="nl-NL" sz="1600" b="1">
                 <a:solidFill>
                   <a:srgbClr val="000000"/>
                 </a:solidFill>
@@ -2854,7 +3099,7 @@
               <a:buChar char=""/>
             </a:pPr>
             <a:r>
-              <a:rPr b="1" lang="nl-NL" sz="1600">
+              <a:rPr lang="nl-NL" sz="1600" b="1">
                 <a:solidFill>
                   <a:srgbClr val="000000"/>
                 </a:solidFill>
@@ -2871,7 +3116,7 @@
               <a:buChar char=""/>
             </a:pPr>
             <a:r>
-              <a:rPr b="1" lang="nl-NL" sz="1600">
+              <a:rPr lang="nl-NL" sz="1600" b="1">
                 <a:solidFill>
                   <a:srgbClr val="000000"/>
                 </a:solidFill>
@@ -2888,7 +3133,7 @@
               <a:buChar char=""/>
             </a:pPr>
             <a:r>
-              <a:rPr b="1" lang="nl-NL" sz="1600">
+              <a:rPr lang="nl-NL" sz="1600" b="1">
                 <a:solidFill>
                   <a:srgbClr val="000000"/>
                 </a:solidFill>
@@ -2905,7 +3150,7 @@
               <a:buChar char=""/>
             </a:pPr>
             <a:r>
-              <a:rPr b="1" lang="nl-NL" sz="1600">
+              <a:rPr lang="nl-NL" sz="1600" b="1">
                 <a:solidFill>
                   <a:srgbClr val="000000"/>
                 </a:solidFill>
@@ -2922,7 +3167,7 @@
               <a:buChar char=""/>
             </a:pPr>
             <a:r>
-              <a:rPr b="1" lang="nl-NL" sz="1600">
+              <a:rPr lang="nl-NL" sz="1600" b="1">
                 <a:solidFill>
                   <a:srgbClr val="000000"/>
                 </a:solidFill>
@@ -2939,7 +3184,7 @@
               </a:lnSpc>
             </a:pPr>
             <a:r>
-              <a:rPr b="1" lang="nl-NL" sz="1600">
+              <a:rPr lang="nl-NL" sz="1600" b="1">
                 <a:solidFill>
                   <a:srgbClr val="000000"/>
                 </a:solidFill>
@@ -2954,7 +3199,7 @@
               <a:lnSpc>
                 <a:spcPct val="100000"/>
               </a:lnSpc>
-              <a:buFont charset="2" typeface="Wingdings"/>
+              <a:buFont typeface="Wingdings" charset="2"/>
               <a:buChar char=""/>
             </a:pPr>
             <a:r>
@@ -2973,7 +3218,7 @@
               <a:lnSpc>
                 <a:spcPct val="100000"/>
               </a:lnSpc>
-              <a:buFont charset="2" typeface="Wingdings"/>
+              <a:buFont typeface="Wingdings" charset="2"/>
               <a:buChar char=""/>
             </a:pPr>
             <a:r>
@@ -2992,7 +3237,7 @@
               <a:lnSpc>
                 <a:spcPct val="100000"/>
               </a:lnSpc>
-              <a:buFont charset="2" typeface="Wingdings"/>
+              <a:buFont typeface="Wingdings" charset="2"/>
               <a:buChar char=""/>
             </a:pPr>
             <a:r>
@@ -3011,7 +3256,7 @@
               <a:lnSpc>
                 <a:spcPct val="100000"/>
               </a:lnSpc>
-              <a:buFont charset="2" typeface="Wingdings"/>
+              <a:buFont typeface="Wingdings" charset="2"/>
               <a:buChar char=""/>
             </a:pPr>
             <a:r>
@@ -3048,6 +3293,7 @@
         </p:spPr>
         <p:txBody>
           <a:bodyPr anchor="ctr"/>
+          <a:lstStyle/>
           <a:p>
             <a:pPr>
               <a:lnSpc>
@@ -3057,7 +3303,7 @@
             <a:r>
               <a:rPr lang="en-GB" sz="1200">
                 <a:solidFill>
-                  <a:srgbClr val="ffffff"/>
+                  <a:srgbClr val="FFFFFF"/>
                 </a:solidFill>
                 <a:latin typeface="Franklin Gothic Book"/>
               </a:rPr>
@@ -3088,6 +3334,7 @@
         </p:spPr>
         <p:txBody>
           <a:bodyPr anchor="ctr"/>
+          <a:lstStyle/>
           <a:p>
             <a:endParaRPr/>
           </a:p>
@@ -3113,7 +3360,8 @@
           </a:prstGeom>
         </p:spPr>
         <p:txBody>
-          <a:bodyPr anchor="ctr" bIns="9000" lIns="9000" rIns="9000" tIns="9000"/>
+          <a:bodyPr lIns="9000" tIns="9000" rIns="9000" bIns="9000" anchor="ctr"/>
+          <a:lstStyle/>
           <a:p>
             <a:pPr algn="ctr">
               <a:lnSpc>
@@ -3123,11 +3371,11 @@
             <a:fld id="{2052DE07-79A1-46A8-AC89-00D83EA717B9}" type="slidenum">
               <a:rPr lang="en-GB" sz="1650">
                 <a:solidFill>
-                  <a:srgbClr val="ffffff"/>
+                  <a:srgbClr val="FFFFFF"/>
                 </a:solidFill>
                 <a:latin typeface="Franklin Gothic Book"/>
               </a:rPr>
-              <a:t>&lt;number&gt;</a:t>
+              <a:t>‹#›</a:t>
             </a:fld>
             <a:endParaRPr/>
           </a:p>
@@ -3135,26 +3383,31 @@
       </p:sp>
     </p:spTree>
   </p:cSld>
-  <p:clrMap accent1="accent1" accent2="accent2" accent3="accent3" accent4="accent4" accent5="accent5" accent6="accent6" bg1="lt1" bg2="lt2" folHlink="folHlink" hlink="hlink" tx1="dk1" tx2="dk2"/>
+  <p:clrMap bg1="lt1" tx1="dk1" bg2="lt2" tx2="dk2" accent1="accent1" accent2="accent2" accent3="accent3" accent4="accent4" accent5="accent5" accent6="accent6" hlink="hlink" folHlink="folHlink"/>
   <p:sldLayoutIdLst>
-    <p:sldLayoutId id="2147483662" r:id="rId2"/>
-    <p:sldLayoutId id="2147483663" r:id="rId3"/>
-    <p:sldLayoutId id="2147483664" r:id="rId4"/>
-    <p:sldLayoutId id="2147483665" r:id="rId5"/>
-    <p:sldLayoutId id="2147483666" r:id="rId6"/>
-    <p:sldLayoutId id="2147483667" r:id="rId7"/>
-    <p:sldLayoutId id="2147483668" r:id="rId8"/>
-    <p:sldLayoutId id="2147483669" r:id="rId9"/>
-    <p:sldLayoutId id="2147483670" r:id="rId10"/>
-    <p:sldLayoutId id="2147483671" r:id="rId11"/>
-    <p:sldLayoutId id="2147483672" r:id="rId12"/>
-    <p:sldLayoutId id="2147483673" r:id="rId13"/>
+    <p:sldLayoutId id="2147483662" r:id="rId1"/>
+    <p:sldLayoutId id="2147483663" r:id="rId2"/>
+    <p:sldLayoutId id="2147483664" r:id="rId3"/>
+    <p:sldLayoutId id="2147483665" r:id="rId4"/>
+    <p:sldLayoutId id="2147483666" r:id="rId5"/>
+    <p:sldLayoutId id="2147483667" r:id="rId6"/>
+    <p:sldLayoutId id="2147483668" r:id="rId7"/>
+    <p:sldLayoutId id="2147483669" r:id="rId8"/>
+    <p:sldLayoutId id="2147483670" r:id="rId9"/>
+    <p:sldLayoutId id="2147483671" r:id="rId10"/>
+    <p:sldLayoutId id="2147483672" r:id="rId11"/>
+    <p:sldLayoutId id="2147483673" r:id="rId12"/>
   </p:sldLayoutIdLst>
+  <p:txStyles>
+    <p:titleStyle/>
+    <p:bodyStyle/>
+    <p:otherStyle/>
+  </p:txStyles>
 </p:sldMaster>
 </file>
 
 <file path=ppt/slides/slide1.xml><?xml version="1.0" encoding="utf-8"?>
-<p:sld xmlns:a="http://schemas.openxmlformats.org/drawingml/2006/main" xmlns:p="http://schemas.openxmlformats.org/presentationml/2006/main" xmlns:r="http://schemas.openxmlformats.org/officeDocument/2006/relationships">
+<p:sld xmlns:a="http://schemas.openxmlformats.org/drawingml/2006/main" xmlns:r="http://schemas.openxmlformats.org/officeDocument/2006/relationships" xmlns:p="http://schemas.openxmlformats.org/presentationml/2006/main">
   <p:cSld>
     <p:spTree>
       <p:nvGrpSpPr>
@@ -3186,7 +3439,8 @@
           </a:prstGeom>
         </p:spPr>
         <p:txBody>
-          <a:bodyPr anchor="b" bIns="9000"/>
+          <a:bodyPr bIns="9000" anchor="b"/>
+          <a:lstStyle/>
           <a:p>
             <a:pPr>
               <a:lnSpc>
@@ -3194,15 +3448,17 @@
               </a:lnSpc>
             </a:pPr>
             <a:r>
-              <a:rPr lang="nl-NL" sz="3200">
+              <a:rPr lang="nl-NL" sz="3200" dirty="0">
                 <a:solidFill>
-                  <a:srgbClr val="0d0d0d"/>
+                  <a:srgbClr val="0D0D0D"/>
                 </a:solidFill>
-                <a:latin typeface="Prime"/>
+                <a:latin typeface="+mj-lt"/>
               </a:rPr>
               <a:t>PROJECT: Xna racegame </a:t>
             </a:r>
-            <a:endParaRPr/>
+            <a:endParaRPr dirty="0">
+              <a:latin typeface="+mj-lt"/>
+            </a:endParaRPr>
           </a:p>
         </p:txBody>
       </p:sp>
@@ -3223,6 +3479,7 @@
         </p:spPr>
         <p:txBody>
           <a:bodyPr tIns="9000"/>
+          <a:lstStyle/>
           <a:p>
             <a:pPr>
               <a:lnSpc>
@@ -3230,33 +3487,44 @@
               </a:lnSpc>
             </a:pPr>
             <a:r>
-              <a:rPr lang="en-GB" sz="1400">
+              <a:rPr lang="en-GB" sz="1400" dirty="0" err="1">
                 <a:solidFill>
-                  <a:srgbClr val="0d0d0d"/>
+                  <a:srgbClr val="0D0D0D"/>
                 </a:solidFill>
-                <a:latin typeface="Franklin Gothic Book"/>
+                <a:latin typeface="+mj-lt"/>
               </a:rPr>
-              <a:t>Groep 12</a:t>
+              <a:t>Groep</a:t>
             </a:r>
-            <a:endParaRPr/>
+            <a:r>
+              <a:rPr lang="en-GB" sz="1400" dirty="0">
+                <a:solidFill>
+                  <a:srgbClr val="0D0D0D"/>
+                </a:solidFill>
+                <a:latin typeface="+mj-lt"/>
+              </a:rPr>
+              <a:t> 12</a:t>
+            </a:r>
+            <a:endParaRPr dirty="0">
+              <a:latin typeface="+mj-lt"/>
+            </a:endParaRPr>
           </a:p>
         </p:txBody>
       </p:sp>
       <p:pic>
         <p:nvPicPr>
-          <p:cNvPr descr="" id="86" name="Picture 2"/>
+          <p:cNvPr id="86" name="Picture 2"/>
           <p:cNvPicPr/>
           <p:nvPr/>
         </p:nvPicPr>
         <p:blipFill>
-          <a:blip r:embed="rId1"/>
+          <a:blip r:embed="rId2"/>
           <a:stretch>
             <a:fillRect/>
           </a:stretch>
         </p:blipFill>
         <p:spPr>
           <a:xfrm rot="19269600">
-            <a:off x="1767600" y="1328400"/>
+            <a:off x="1708263" y="1308938"/>
             <a:ext cx="1909800" cy="1145520"/>
           </a:xfrm>
           <a:prstGeom prst="rect">
@@ -3269,11 +3537,14 @@
       </p:pic>
     </p:spTree>
   </p:cSld>
+  <p:clrMapOvr>
+    <a:masterClrMapping/>
+  </p:clrMapOvr>
 </p:sld>
 </file>
 
 <file path=ppt/slides/slide2.xml><?xml version="1.0" encoding="utf-8"?>
-<p:sld xmlns:a="http://schemas.openxmlformats.org/drawingml/2006/main" xmlns:p="http://schemas.openxmlformats.org/presentationml/2006/main" xmlns:r="http://schemas.openxmlformats.org/officeDocument/2006/relationships">
+<p:sld xmlns:a="http://schemas.openxmlformats.org/drawingml/2006/main" xmlns:r="http://schemas.openxmlformats.org/officeDocument/2006/relationships" xmlns:p="http://schemas.openxmlformats.org/presentationml/2006/main">
   <p:cSld>
     <p:spTree>
       <p:nvGrpSpPr>
@@ -3306,6 +3577,7 @@
         </p:spPr>
         <p:txBody>
           <a:bodyPr anchor="ctr"/>
+          <a:lstStyle/>
           <a:p>
             <a:pPr>
               <a:lnSpc>
@@ -3313,15 +3585,17 @@
               </a:lnSpc>
             </a:pPr>
             <a:r>
-              <a:rPr lang="nl-NL" sz="2800">
+              <a:rPr lang="nl-NL" sz="2800" dirty="0">
                 <a:solidFill>
                   <a:srgbClr val="000000"/>
                 </a:solidFill>
-                <a:latin typeface="Prime"/>
+                <a:latin typeface="+mj-lt"/>
               </a:rPr>
-              <a:t>Gestart met...  (remy)</a:t>
+              <a:t>Gestart met... </a:t>
             </a:r>
-            <a:endParaRPr/>
+            <a:endParaRPr dirty="0">
+              <a:latin typeface="+mj-lt"/>
+            </a:endParaRPr>
           </a:p>
         </p:txBody>
       </p:sp>
@@ -3342,6 +3616,7 @@
         </p:spPr>
         <p:txBody>
           <a:bodyPr/>
+          <a:lstStyle/>
           <a:p>
             <a:pPr>
               <a:lnSpc>
@@ -3349,15 +3624,14 @@
               </a:lnSpc>
             </a:pPr>
             <a:r>
-              <a:rPr b="1" lang="nl-NL" sz="2800">
+              <a:rPr lang="nl-NL" sz="2800" dirty="0">
                 <a:solidFill>
                   <a:srgbClr val="000000"/>
                 </a:solidFill>
-                <a:latin typeface="Prime"/>
               </a:rPr>
               <a:t>Plan van aanpak </a:t>
             </a:r>
-            <a:endParaRPr/>
+            <a:endParaRPr dirty="0"/>
           </a:p>
           <a:p>
             <a:pPr>
@@ -3365,7 +3639,7 @@
                 <a:spcPct val="100000"/>
               </a:lnSpc>
             </a:pPr>
-            <a:endParaRPr/>
+            <a:endParaRPr dirty="0"/>
           </a:p>
           <a:p>
             <a:pPr>
@@ -3374,15 +3648,14 @@
               </a:lnSpc>
             </a:pPr>
             <a:r>
-              <a:rPr b="1" lang="nl-NL" sz="2800">
+              <a:rPr lang="nl-NL" sz="2800" dirty="0">
                 <a:solidFill>
                   <a:srgbClr val="000000"/>
                 </a:solidFill>
-                <a:latin typeface="Prime"/>
               </a:rPr>
               <a:t>uitwerking </a:t>
             </a:r>
-            <a:endParaRPr/>
+            <a:endParaRPr dirty="0"/>
           </a:p>
           <a:p>
             <a:pPr>
@@ -3390,7 +3663,7 @@
                 <a:spcPct val="100000"/>
               </a:lnSpc>
             </a:pPr>
-            <a:endParaRPr/>
+            <a:endParaRPr dirty="0"/>
           </a:p>
           <a:p>
             <a:pPr>
@@ -3399,15 +3672,14 @@
               </a:lnSpc>
             </a:pPr>
             <a:r>
-              <a:rPr b="1" lang="nl-NL" sz="2800">
+              <a:rPr lang="nl-NL" sz="2800" dirty="0">
                 <a:solidFill>
                   <a:srgbClr val="000000"/>
                 </a:solidFill>
-                <a:latin typeface="Prime"/>
               </a:rPr>
               <a:t>taakverdeling</a:t>
             </a:r>
-            <a:endParaRPr/>
+            <a:endParaRPr dirty="0"/>
           </a:p>
         </p:txBody>
       </p:sp>
@@ -3433,12 +3705,12 @@
       </p:sp>
       <p:pic>
         <p:nvPicPr>
-          <p:cNvPr descr="" id="90" name="Picture 3"/>
+          <p:cNvPr id="90" name="Picture 3"/>
           <p:cNvPicPr/>
           <p:nvPr/>
         </p:nvPicPr>
         <p:blipFill>
-          <a:blip r:embed="rId1"/>
+          <a:blip r:embed="rId2"/>
           <a:stretch>
             <a:fillRect/>
           </a:stretch>
@@ -3458,11 +3730,14 @@
       </p:pic>
     </p:spTree>
   </p:cSld>
+  <p:clrMapOvr>
+    <a:masterClrMapping/>
+  </p:clrMapOvr>
 </p:sld>
 </file>
 
 <file path=ppt/slides/slide3.xml><?xml version="1.0" encoding="utf-8"?>
-<p:sld xmlns:a="http://schemas.openxmlformats.org/drawingml/2006/main" xmlns:p="http://schemas.openxmlformats.org/presentationml/2006/main" xmlns:r="http://schemas.openxmlformats.org/officeDocument/2006/relationships">
+<p:sld xmlns:a="http://schemas.openxmlformats.org/drawingml/2006/main" xmlns:r="http://schemas.openxmlformats.org/officeDocument/2006/relationships" xmlns:p="http://schemas.openxmlformats.org/presentationml/2006/main">
   <p:cSld>
     <p:spTree>
       <p:nvGrpSpPr>
@@ -3495,6 +3770,7 @@
         </p:spPr>
         <p:txBody>
           <a:bodyPr anchor="ctr"/>
+          <a:lstStyle/>
           <a:p>
             <a:pPr>
               <a:lnSpc>
@@ -3531,6 +3807,7 @@
         </p:spPr>
         <p:txBody>
           <a:bodyPr/>
+          <a:lstStyle/>
           <a:p>
             <a:endParaRPr/>
           </a:p>
@@ -3538,12 +3815,12 @@
       </p:sp>
       <p:pic>
         <p:nvPicPr>
-          <p:cNvPr descr="" id="93" name="Picture 2"/>
+          <p:cNvPr id="93" name="Picture 2"/>
           <p:cNvPicPr/>
           <p:nvPr/>
         </p:nvPicPr>
         <p:blipFill>
-          <a:blip r:embed="rId1"/>
+          <a:blip r:embed="rId2"/>
           <a:stretch>
             <a:fillRect/>
           </a:stretch>
@@ -3563,11 +3840,14 @@
       </p:pic>
     </p:spTree>
   </p:cSld>
+  <p:clrMapOvr>
+    <a:masterClrMapping/>
+  </p:clrMapOvr>
 </p:sld>
 </file>
 
 <file path=ppt/slides/slide4.xml><?xml version="1.0" encoding="utf-8"?>
-<p:sld xmlns:a="http://schemas.openxmlformats.org/drawingml/2006/main" xmlns:p="http://schemas.openxmlformats.org/presentationml/2006/main" xmlns:r="http://schemas.openxmlformats.org/officeDocument/2006/relationships">
+<p:sld xmlns:a="http://schemas.openxmlformats.org/drawingml/2006/main" xmlns:r="http://schemas.openxmlformats.org/officeDocument/2006/relationships" xmlns:p="http://schemas.openxmlformats.org/presentationml/2006/main">
   <p:cSld>
     <p:spTree>
       <p:nvGrpSpPr>
@@ -3600,6 +3880,7 @@
         </p:spPr>
         <p:txBody>
           <a:bodyPr anchor="ctr"/>
+          <a:lstStyle/>
           <a:p>
             <a:pPr>
               <a:lnSpc>
@@ -3607,15 +3888,26 @@
               </a:lnSpc>
             </a:pPr>
             <a:r>
-              <a:rPr lang="nl-NL" sz="2800">
+              <a:rPr lang="nl-NL" sz="2800" dirty="0">
                 <a:solidFill>
                   <a:srgbClr val="000000"/>
                 </a:solidFill>
-                <a:latin typeface="Prime"/>
+                <a:latin typeface="+mj-lt"/>
               </a:rPr>
-              <a:t>Technische details (ruben)</a:t>
+              <a:t>Technische </a:t>
             </a:r>
-            <a:endParaRPr/>
+            <a:r>
+              <a:rPr lang="nl-NL" sz="2800" dirty="0" smtClean="0">
+                <a:solidFill>
+                  <a:srgbClr val="000000"/>
+                </a:solidFill>
+                <a:latin typeface="+mj-lt"/>
+              </a:rPr>
+              <a:t>details</a:t>
+            </a:r>
+            <a:endParaRPr dirty="0">
+              <a:latin typeface="+mj-lt"/>
+            </a:endParaRPr>
           </a:p>
         </p:txBody>
       </p:sp>
@@ -3636,6 +3928,7 @@
         </p:spPr>
         <p:txBody>
           <a:bodyPr/>
+          <a:lstStyle/>
           <a:p>
             <a:pPr>
               <a:buSzPct val="25000"/>
@@ -3643,10 +3936,10 @@
               <a:buChar char=""/>
             </a:pPr>
             <a:r>
-              <a:rPr lang="nl-NL"/>
+              <a:rPr lang="nl-NL" dirty="0"/>
               <a:t>Entities!</a:t>
             </a:r>
-            <a:endParaRPr/>
+            <a:endParaRPr dirty="0"/>
           </a:p>
           <a:p>
             <a:pPr>
@@ -3654,18 +3947,18 @@
               <a:buFont typeface="StarSymbol"/>
               <a:buChar char=""/>
             </a:pPr>
-            <a:endParaRPr/>
+            <a:endParaRPr dirty="0"/>
           </a:p>
         </p:txBody>
       </p:sp>
       <p:pic>
         <p:nvPicPr>
-          <p:cNvPr descr="" id="96" name=""/>
+          <p:cNvPr id="96" name="Picture 95"/>
           <p:cNvPicPr/>
           <p:nvPr/>
         </p:nvPicPr>
         <p:blipFill>
-          <a:blip r:embed="rId1"/>
+          <a:blip r:embed="rId2"/>
           <a:stretch>
             <a:fillRect/>
           </a:stretch>
@@ -3685,22 +3978,25 @@
       </p:pic>
     </p:spTree>
   </p:cSld>
+  <p:clrMapOvr>
+    <a:masterClrMapping/>
+  </p:clrMapOvr>
   <p:timing>
     <p:tnLst>
       <p:par>
-        <p:cTn dur="indefinite" id="1" nodeType="tmRoot" restart="never">
+        <p:cTn id="1" dur="indefinite" restart="never" nodeType="tmRoot">
           <p:childTnLst>
             <p:seq>
               <p:cTn id="2" nodeType="mainSeq"/>
               <p:prevCondLst>
-                <p:cond delay="0" evt="onPrev">
+                <p:cond evt="onPrev" delay="0">
                   <p:tgtEl>
                     <p:sldTgt/>
                   </p:tgtEl>
                 </p:cond>
               </p:prevCondLst>
               <p:nextCondLst>
-                <p:cond delay="0" evt="onNext">
+                <p:cond evt="onNext" delay="0">
                   <p:tgtEl>
                     <p:sldTgt/>
                   </p:tgtEl>
@@ -3716,7 +4012,7 @@
 </file>
 
 <file path=ppt/slides/slide5.xml><?xml version="1.0" encoding="utf-8"?>
-<p:sld xmlns:a="http://schemas.openxmlformats.org/drawingml/2006/main" xmlns:p="http://schemas.openxmlformats.org/presentationml/2006/main" xmlns:r="http://schemas.openxmlformats.org/officeDocument/2006/relationships">
+<p:sld xmlns:a="http://schemas.openxmlformats.org/drawingml/2006/main" xmlns:r="http://schemas.openxmlformats.org/officeDocument/2006/relationships" xmlns:p="http://schemas.openxmlformats.org/presentationml/2006/main">
   <p:cSld>
     <p:spTree>
       <p:nvGrpSpPr>
@@ -3748,7 +4044,8 @@
           </a:prstGeom>
         </p:spPr>
         <p:txBody>
-          <a:bodyPr anchor="ctr" bIns="0" lIns="0" rIns="0" tIns="0" wrap="none"/>
+          <a:bodyPr wrap="none" lIns="0" tIns="0" rIns="0" bIns="0" anchor="ctr"/>
+          <a:lstStyle/>
           <a:p>
             <a:pPr>
               <a:lnSpc>
@@ -3756,15 +4053,14 @@
               </a:lnSpc>
             </a:pPr>
             <a:r>
-              <a:rPr lang="nl-NL" sz="2800">
+              <a:rPr lang="nl-NL" sz="2800" dirty="0">
                 <a:solidFill>
                   <a:srgbClr val="000000"/>
                 </a:solidFill>
-                <a:latin typeface="Prime"/>
               </a:rPr>
-              <a:t>Technische details (ruben)</a:t>
+              <a:t>Technische details </a:t>
             </a:r>
-            <a:endParaRPr/>
+            <a:endParaRPr dirty="0"/>
           </a:p>
         </p:txBody>
       </p:sp>
@@ -3785,6 +4081,7 @@
         </p:spPr>
         <p:txBody>
           <a:bodyPr/>
+          <a:lstStyle/>
           <a:p>
             <a:pPr>
               <a:buSzPct val="25000"/>
@@ -3792,10 +4089,10 @@
               <a:buChar char=""/>
             </a:pPr>
             <a:r>
-              <a:rPr lang="nl-NL"/>
+              <a:rPr lang="nl-NL" dirty="0"/>
               <a:t>Rotatie</a:t>
             </a:r>
-            <a:endParaRPr/>
+            <a:endParaRPr dirty="0"/>
           </a:p>
           <a:p>
             <a:pPr>
@@ -3803,18 +4100,18 @@
               <a:buFont typeface="StarSymbol"/>
               <a:buChar char=""/>
             </a:pPr>
-            <a:endParaRPr/>
+            <a:endParaRPr dirty="0"/>
           </a:p>
         </p:txBody>
       </p:sp>
       <p:pic>
         <p:nvPicPr>
-          <p:cNvPr descr="" id="99" name=""/>
+          <p:cNvPr id="99" name="Picture 98"/>
           <p:cNvPicPr/>
           <p:nvPr/>
         </p:nvPicPr>
         <p:blipFill>
-          <a:blip r:embed="rId1"/>
+          <a:blip r:embed="rId2"/>
           <a:stretch>
             <a:fillRect/>
           </a:stretch>
@@ -3834,11 +4131,14 @@
       </p:pic>
     </p:spTree>
   </p:cSld>
+  <p:clrMapOvr>
+    <a:masterClrMapping/>
+  </p:clrMapOvr>
 </p:sld>
 </file>
 
 <file path=ppt/slides/slide6.xml><?xml version="1.0" encoding="utf-8"?>
-<p:sld xmlns:a="http://schemas.openxmlformats.org/drawingml/2006/main" xmlns:p="http://schemas.openxmlformats.org/presentationml/2006/main" xmlns:r="http://schemas.openxmlformats.org/officeDocument/2006/relationships">
+<p:sld xmlns:a="http://schemas.openxmlformats.org/drawingml/2006/main" xmlns:r="http://schemas.openxmlformats.org/officeDocument/2006/relationships" xmlns:p="http://schemas.openxmlformats.org/presentationml/2006/main">
   <p:cSld>
     <p:spTree>
       <p:nvGrpSpPr>
@@ -3870,7 +4170,8 @@
           </a:prstGeom>
         </p:spPr>
         <p:txBody>
-          <a:bodyPr anchor="ctr" bIns="0" lIns="0" rIns="0" tIns="0" wrap="none"/>
+          <a:bodyPr wrap="none" lIns="0" tIns="0" rIns="0" bIns="0" anchor="ctr"/>
+          <a:lstStyle/>
           <a:p>
             <a:pPr>
               <a:lnSpc>
@@ -3878,15 +4179,17 @@
               </a:lnSpc>
             </a:pPr>
             <a:r>
-              <a:rPr lang="nl-NL" sz="2800">
+              <a:rPr lang="nl-NL" sz="2800" dirty="0">
                 <a:solidFill>
                   <a:srgbClr val="000000"/>
                 </a:solidFill>
-                <a:latin typeface="Prime"/>
+                <a:latin typeface="+mj-lt"/>
               </a:rPr>
-              <a:t>Technische details (ruben)</a:t>
+              <a:t>Technische details </a:t>
             </a:r>
-            <a:endParaRPr/>
+            <a:endParaRPr dirty="0">
+              <a:latin typeface="+mj-lt"/>
+            </a:endParaRPr>
           </a:p>
         </p:txBody>
       </p:sp>
@@ -3907,6 +4210,7 @@
         </p:spPr>
         <p:txBody>
           <a:bodyPr/>
+          <a:lstStyle/>
           <a:p>
             <a:pPr>
               <a:buSzPct val="25000"/>
@@ -3959,12 +4263,12 @@
       </p:sp>
       <p:pic>
         <p:nvPicPr>
-          <p:cNvPr descr="" id="102" name=""/>
+          <p:cNvPr id="102" name="Picture 101"/>
           <p:cNvPicPr/>
           <p:nvPr/>
         </p:nvPicPr>
         <p:blipFill>
-          <a:blip r:embed="rId1"/>
+          <a:blip r:embed="rId2"/>
           <a:stretch>
             <a:fillRect/>
           </a:stretch>
@@ -3984,22 +4288,25 @@
       </p:pic>
     </p:spTree>
   </p:cSld>
+  <p:clrMapOvr>
+    <a:masterClrMapping/>
+  </p:clrMapOvr>
   <p:timing>
     <p:tnLst>
       <p:par>
-        <p:cTn dur="indefinite" id="3" nodeType="tmRoot" restart="never">
+        <p:cTn id="1" dur="indefinite" restart="never" nodeType="tmRoot">
           <p:childTnLst>
             <p:seq>
-              <p:cTn id="4" nodeType="mainSeq"/>
+              <p:cTn id="2" nodeType="mainSeq"/>
               <p:prevCondLst>
-                <p:cond delay="0" evt="onPrev">
+                <p:cond evt="onPrev" delay="0">
                   <p:tgtEl>
                     <p:sldTgt/>
                   </p:tgtEl>
                 </p:cond>
               </p:prevCondLst>
               <p:nextCondLst>
-                <p:cond delay="0" evt="onNext">
+                <p:cond evt="onNext" delay="0">
                   <p:tgtEl>
                     <p:sldTgt/>
                   </p:tgtEl>
@@ -4015,7 +4322,7 @@
 </file>
 
 <file path=ppt/slides/slide7.xml><?xml version="1.0" encoding="utf-8"?>
-<p:sld xmlns:a="http://schemas.openxmlformats.org/drawingml/2006/main" xmlns:p="http://schemas.openxmlformats.org/presentationml/2006/main" xmlns:r="http://schemas.openxmlformats.org/officeDocument/2006/relationships">
+<p:sld xmlns:a="http://schemas.openxmlformats.org/drawingml/2006/main" xmlns:r="http://schemas.openxmlformats.org/officeDocument/2006/relationships" xmlns:p="http://schemas.openxmlformats.org/presentationml/2006/main">
   <p:cSld>
     <p:spTree>
       <p:nvGrpSpPr>
@@ -4048,6 +4355,7 @@
         </p:spPr>
         <p:txBody>
           <a:bodyPr anchor="ctr"/>
+          <a:lstStyle/>
           <a:p>
             <a:pPr>
               <a:lnSpc>
@@ -4055,15 +4363,17 @@
               </a:lnSpc>
             </a:pPr>
             <a:r>
-              <a:rPr lang="nl-NL" sz="2800">
+              <a:rPr lang="nl-NL" sz="2800" dirty="0" smtClean="0">
                 <a:solidFill>
                   <a:srgbClr val="000000"/>
                 </a:solidFill>
-                <a:latin typeface="Prime"/>
+                <a:latin typeface="+mj-lt"/>
               </a:rPr>
-              <a:t>CONCLUSIE (Lukas)</a:t>
+              <a:t>CONCLUSIE</a:t>
             </a:r>
-            <a:endParaRPr/>
+            <a:endParaRPr dirty="0">
+              <a:latin typeface="+mj-lt"/>
+            </a:endParaRPr>
           </a:p>
         </p:txBody>
       </p:sp>
@@ -4084,6 +4394,7 @@
         </p:spPr>
         <p:txBody>
           <a:bodyPr/>
+          <a:lstStyle/>
           <a:p>
             <a:pPr>
               <a:lnSpc>
@@ -4091,15 +4402,17 @@
               </a:lnSpc>
             </a:pPr>
             <a:r>
-              <a:rPr b="1" lang="nl-NL" sz="2400">
+              <a:rPr lang="nl-NL" sz="2400" dirty="0">
                 <a:solidFill>
                   <a:srgbClr val="000000"/>
                 </a:solidFill>
-                <a:latin typeface="Prime"/>
+                <a:latin typeface="+mj-lt"/>
               </a:rPr>
               <a:t>Wat we hebben kunnen realiseren ten opzichte van de class diagram</a:t>
             </a:r>
-            <a:endParaRPr/>
+            <a:endParaRPr dirty="0">
+              <a:latin typeface="+mj-lt"/>
+            </a:endParaRPr>
           </a:p>
           <a:p>
             <a:pPr>
@@ -4107,7 +4420,9 @@
                 <a:spcPct val="100000"/>
               </a:lnSpc>
             </a:pPr>
-            <a:endParaRPr/>
+            <a:endParaRPr dirty="0">
+              <a:latin typeface="+mj-lt"/>
+            </a:endParaRPr>
           </a:p>
           <a:p>
             <a:pPr>
@@ -4116,25 +4431,30 @@
               </a:lnSpc>
             </a:pPr>
             <a:r>
-              <a:rPr b="1" lang="nl-NL" sz="2400">
+              <a:rPr lang="nl-NL" sz="2400" dirty="0">
                 <a:solidFill>
                   <a:srgbClr val="000000"/>
                 </a:solidFill>
-                <a:latin typeface="Prime"/>
+                <a:latin typeface="+mj-lt"/>
               </a:rPr>
               <a:t>Wat hebben we niet konden realiseren...</a:t>
             </a:r>
-            <a:endParaRPr/>
+            <a:endParaRPr dirty="0">
+              <a:latin typeface="+mj-lt"/>
+            </a:endParaRPr>
           </a:p>
         </p:txBody>
       </p:sp>
     </p:spTree>
   </p:cSld>
+  <p:clrMapOvr>
+    <a:masterClrMapping/>
+  </p:clrMapOvr>
 </p:sld>
 </file>
 
 <file path=ppt/slides/slide8.xml><?xml version="1.0" encoding="utf-8"?>
-<p:sld xmlns:a="http://schemas.openxmlformats.org/drawingml/2006/main" xmlns:p="http://schemas.openxmlformats.org/presentationml/2006/main" xmlns:r="http://schemas.openxmlformats.org/officeDocument/2006/relationships">
+<p:sld xmlns:a="http://schemas.openxmlformats.org/drawingml/2006/main" xmlns:r="http://schemas.openxmlformats.org/officeDocument/2006/relationships" xmlns:p="http://schemas.openxmlformats.org/presentationml/2006/main">
   <p:cSld>
     <p:spTree>
       <p:nvGrpSpPr>
@@ -4167,6 +4487,7 @@
         </p:spPr>
         <p:txBody>
           <a:bodyPr anchor="ctr"/>
+          <a:lstStyle/>
           <a:p>
             <a:pPr>
               <a:lnSpc>
@@ -4174,15 +4495,17 @@
               </a:lnSpc>
             </a:pPr>
             <a:r>
-              <a:rPr lang="nl-NL" sz="2800">
+              <a:rPr lang="nl-NL" sz="2800" dirty="0" smtClean="0">
                 <a:solidFill>
                   <a:srgbClr val="000000"/>
                 </a:solidFill>
-                <a:latin typeface="Prime"/>
+                <a:latin typeface="+mj-lt"/>
               </a:rPr>
-              <a:t>Evaluatie (ERIK)</a:t>
+              <a:t>Evaluatie</a:t>
             </a:r>
-            <a:endParaRPr/>
+            <a:endParaRPr dirty="0">
+              <a:latin typeface="+mj-lt"/>
+            </a:endParaRPr>
           </a:p>
         </p:txBody>
       </p:sp>
@@ -4203,6 +4526,7 @@
         </p:spPr>
         <p:txBody>
           <a:bodyPr/>
+          <a:lstStyle/>
           <a:p>
             <a:pPr>
               <a:lnSpc>
@@ -4210,15 +4534,23 @@
               </a:lnSpc>
             </a:pPr>
             <a:r>
-              <a:rPr b="1" lang="nl-NL" sz="2000">
+              <a:rPr lang="nl-NL" sz="2000" dirty="0">
                 <a:solidFill>
                   <a:srgbClr val="000000"/>
                 </a:solidFill>
-                <a:latin typeface="Prime"/>
+                <a:latin typeface="+mj-lt"/>
               </a:rPr>
-              <a:t>Wat vonden wij van dit project</a:t>
+              <a:t>Wat vonden wij van dit </a:t>
             </a:r>
-            <a:endParaRPr/>
+            <a:r>
+              <a:rPr lang="nl-NL" sz="2000" dirty="0" smtClean="0">
+                <a:solidFill>
+                  <a:srgbClr val="000000"/>
+                </a:solidFill>
+                <a:latin typeface="+mj-lt"/>
+              </a:rPr>
+              <a:t>project</a:t>
+            </a:r>
           </a:p>
           <a:p>
             <a:pPr>
@@ -4226,7 +4558,12 @@
                 <a:spcPct val="100000"/>
               </a:lnSpc>
             </a:pPr>
-            <a:endParaRPr/>
+            <a:endParaRPr lang="nl-NL" sz="2000" dirty="0">
+              <a:solidFill>
+                <a:srgbClr val="000000"/>
+              </a:solidFill>
+              <a:latin typeface="+mj-lt"/>
+            </a:endParaRPr>
           </a:p>
           <a:p>
             <a:pPr>
@@ -4235,20 +4572,83 @@
               </a:lnSpc>
             </a:pPr>
             <a:r>
-              <a:rPr b="1" lang="nl-NL" sz="2000">
+              <a:rPr lang="nl-NL" sz="2000" dirty="0" smtClean="0">
                 <a:solidFill>
                   <a:srgbClr val="000000"/>
                 </a:solidFill>
-                <a:latin typeface="Prime"/>
+                <a:latin typeface="+mj-lt"/>
               </a:rPr>
-              <a:t>*DEMO* </a:t>
+              <a:t>Omgang met tijdsdruk</a:t>
             </a:r>
-            <a:endParaRPr/>
+          </a:p>
+          <a:p>
+            <a:pPr>
+              <a:lnSpc>
+                <a:spcPct val="100000"/>
+              </a:lnSpc>
+            </a:pPr>
+            <a:endParaRPr lang="nl-NL" sz="2000" dirty="0">
+              <a:solidFill>
+                <a:srgbClr val="000000"/>
+              </a:solidFill>
+              <a:latin typeface="+mj-lt"/>
+            </a:endParaRPr>
+          </a:p>
+          <a:p>
+            <a:pPr>
+              <a:lnSpc>
+                <a:spcPct val="100000"/>
+              </a:lnSpc>
+            </a:pPr>
+            <a:r>
+              <a:rPr lang="nl-NL" sz="2000" dirty="0" smtClean="0">
+                <a:solidFill>
+                  <a:srgbClr val="000000"/>
+                </a:solidFill>
+                <a:latin typeface="+mj-lt"/>
+              </a:rPr>
+              <a:t>Groepswerk</a:t>
+            </a:r>
+            <a:endParaRPr dirty="0">
+              <a:latin typeface="+mj-lt"/>
+            </a:endParaRPr>
+          </a:p>
+          <a:p>
+            <a:pPr>
+              <a:lnSpc>
+                <a:spcPct val="100000"/>
+              </a:lnSpc>
+            </a:pPr>
+            <a:endParaRPr dirty="0">
+              <a:latin typeface="+mj-lt"/>
+            </a:endParaRPr>
+          </a:p>
+          <a:p>
+            <a:pPr>
+              <a:lnSpc>
+                <a:spcPct val="100000"/>
+              </a:lnSpc>
+            </a:pPr>
+            <a:r>
+              <a:rPr lang="nl-NL" sz="2000" dirty="0" smtClean="0">
+                <a:solidFill>
+                  <a:srgbClr val="000000"/>
+                </a:solidFill>
+                <a:latin typeface="+mj-lt"/>
+              </a:rPr>
+              <a:t>*DEMO*</a:t>
+            </a:r>
+            <a:endParaRPr dirty="0">
+              <a:latin typeface="+mj-lt"/>
+            </a:endParaRPr>
           </a:p>
         </p:txBody>
       </p:sp>
     </p:spTree>
   </p:cSld>
+  <p:clrMapOvr>
+    <a:masterClrMapping/>
+  </p:clrMapOvr>
 </p:sld>
 </file>
 
@@ -4472,6 +4872,8 @@
       </a:bgFillStyleLst>
     </a:fmtScheme>
   </a:themeElements>
+  <a:objectDefaults/>
+  <a:extraClrSchemeLst/>
 </a:theme>
 </file>
 
@@ -4695,5 +5097,7 @@
       </a:bgFillStyleLst>
     </a:fmtScheme>
   </a:themeElements>
+  <a:objectDefaults/>
+  <a:extraClrSchemeLst/>
 </a:theme>
 </file>